--- a/Genetic_Algorithms.pptx
+++ b/Genetic_Algorithms.pptx
@@ -1373,11 +1373,7 @@
           <a:p>
             <a:r>
               <a:rPr lang="en-GB" dirty="0" smtClean="0"/>
-              <a:t>FIRST </a:t>
-            </a:r>
-            <a:r>
-              <a:rPr lang="en-GB" dirty="0" smtClean="0"/>
-              <a:t>STAGE: </a:t>
+              <a:t>FIRST STAGE: </a:t>
             </a:r>
           </a:p>
           <a:p>
@@ -1536,11 +1532,7 @@
             </a:r>
             <a:r>
               <a:rPr lang="en-GB" baseline="0" dirty="0" smtClean="0"/>
-              <a:t> </a:t>
-            </a:r>
-            <a:r>
-              <a:rPr lang="en-GB" baseline="0" dirty="0" smtClean="0"/>
-              <a:t>STAGE:</a:t>
+              <a:t> STAGE:</a:t>
             </a:r>
           </a:p>
           <a:p>
@@ -1761,11 +1753,7 @@
             </a:r>
             <a:r>
               <a:rPr lang="en-GB" baseline="0" dirty="0" smtClean="0"/>
-              <a:t> </a:t>
-            </a:r>
-            <a:r>
-              <a:rPr lang="en-GB" baseline="0" dirty="0" smtClean="0"/>
-              <a:t>STAGE:</a:t>
+              <a:t> STAGE:</a:t>
             </a:r>
           </a:p>
           <a:p>
@@ -1865,11 +1853,7 @@
             </a:pPr>
             <a:r>
               <a:rPr lang="en-GB" dirty="0" smtClean="0"/>
-              <a:t>Flexibility of ALTERA’s 10k internal architecture allows the updating of the fitness function without seriously affecting the operation speed of the pipeline</a:t>
-            </a:r>
-            <a:r>
-              <a:rPr lang="en-GB" dirty="0" smtClean="0"/>
-              <a:t>.</a:t>
+              <a:t>Flexibility of ALTERA’s 10k internal architecture allows the updating of the fitness function without seriously affecting the operation speed of the pipeline.</a:t>
             </a:r>
             <a:endParaRPr lang="en-GB" b="0" dirty="0" smtClean="0"/>
           </a:p>
@@ -3046,11 +3030,7 @@
             </a:pPr>
             <a:r>
               <a:rPr lang="en-US" strike="noStrike" dirty="0" smtClean="0"/>
-              <a:t>This </a:t>
-            </a:r>
-            <a:r>
-              <a:rPr lang="en-US" strike="noStrike" dirty="0" smtClean="0"/>
-              <a:t>score can then determine the probability of that individuals’ selection for reproduction.</a:t>
+              <a:t>This score can then determine the probability of that individuals’ selection for reproduction.</a:t>
             </a:r>
           </a:p>
           <a:p>
@@ -3078,11 +3058,7 @@
             </a:pPr>
             <a:r>
               <a:rPr lang="en-GB" dirty="0" smtClean="0"/>
-              <a:t>This </a:t>
-            </a:r>
-            <a:r>
-              <a:rPr lang="en-GB" dirty="0" smtClean="0"/>
-              <a:t>creates new offspring which is then added to the population.</a:t>
+              <a:t>This creates new offspring which is then added to the population.</a:t>
             </a:r>
           </a:p>
           <a:p>
@@ -3092,11 +3068,7 @@
             </a:pPr>
             <a:r>
               <a:rPr lang="en-GB" dirty="0" smtClean="0"/>
-              <a:t>This </a:t>
-            </a:r>
-            <a:r>
-              <a:rPr lang="en-GB" dirty="0" smtClean="0"/>
-              <a:t>maintains diversity within population and prevents premature convergence.</a:t>
+              <a:t>This maintains diversity within population and prevents premature convergence.</a:t>
             </a:r>
           </a:p>
           <a:p>
@@ -4220,7 +4192,7 @@
           <a:noFill/>
           <a:extLst>
             <a:ext uri="{909E8E84-426E-40dd-AFC4-6F175D3DCCD1}">
-              <a14:hiddenFill xmlns:a14="http://schemas.microsoft.com/office/drawing/2010/main" xmlns="">
+              <a14:hiddenFill xmlns="" xmlns:a14="http://schemas.microsoft.com/office/drawing/2010/main">
                 <a:solidFill>
                   <a:srgbClr val="FFFFFF"/>
                 </a:solidFill>
@@ -4280,7 +4252,7 @@
             </a:ln>
             <a:extLst>
               <a:ext uri="{91240B29-F687-4f45-9708-019B960494DF}">
-                <a14:hiddenLine xmlns:a14="http://schemas.microsoft.com/office/drawing/2010/main" xmlns="" w="9525">
+                <a14:hiddenLine xmlns="" xmlns:a14="http://schemas.microsoft.com/office/drawing/2010/main" w="9525">
                   <a:solidFill>
                     <a:srgbClr val="000000"/>
                   </a:solidFill>
@@ -4370,7 +4342,7 @@
             </a:ln>
             <a:extLst>
               <a:ext uri="{91240B29-F687-4f45-9708-019B960494DF}">
-                <a14:hiddenLine xmlns:a14="http://schemas.microsoft.com/office/drawing/2010/main" xmlns="" w="9525">
+                <a14:hiddenLine xmlns="" xmlns:a14="http://schemas.microsoft.com/office/drawing/2010/main" w="9525">
                   <a:solidFill>
                     <a:srgbClr val="000000"/>
                   </a:solidFill>
@@ -4460,7 +4432,7 @@
             </a:ln>
             <a:extLst>
               <a:ext uri="{91240B29-F687-4f45-9708-019B960494DF}">
-                <a14:hiddenLine xmlns:a14="http://schemas.microsoft.com/office/drawing/2010/main" xmlns="" w="9525">
+                <a14:hiddenLine xmlns="" xmlns:a14="http://schemas.microsoft.com/office/drawing/2010/main" w="9525">
                   <a:solidFill>
                     <a:srgbClr val="000000"/>
                   </a:solidFill>
@@ -4494,7 +4466,7 @@
             </a:ln>
             <a:extLst>
               <a:ext uri="{91240B29-F687-4f45-9708-019B960494DF}">
-                <a14:hiddenLine xmlns:a14="http://schemas.microsoft.com/office/drawing/2010/main" xmlns="" w="9525">
+                <a14:hiddenLine xmlns="" xmlns:a14="http://schemas.microsoft.com/office/drawing/2010/main" w="9525">
                   <a:solidFill>
                     <a:srgbClr val="000000"/>
                   </a:solidFill>
@@ -4584,7 +4556,7 @@
             </a:ln>
             <a:extLst>
               <a:ext uri="{91240B29-F687-4f45-9708-019B960494DF}">
-                <a14:hiddenLine xmlns:a14="http://schemas.microsoft.com/office/drawing/2010/main" xmlns="" w="9525">
+                <a14:hiddenLine xmlns="" xmlns:a14="http://schemas.microsoft.com/office/drawing/2010/main" w="9525">
                   <a:solidFill>
                     <a:srgbClr val="000000"/>
                   </a:solidFill>
@@ -4646,7 +4618,7 @@
             </a:ln>
             <a:extLst>
               <a:ext uri="{91240B29-F687-4f45-9708-019B960494DF}">
-                <a14:hiddenLine xmlns:a14="http://schemas.microsoft.com/office/drawing/2010/main" xmlns="" w="9525">
+                <a14:hiddenLine xmlns="" xmlns:a14="http://schemas.microsoft.com/office/drawing/2010/main" w="9525">
                   <a:solidFill>
                     <a:srgbClr val="000000"/>
                   </a:solidFill>
@@ -4708,7 +4680,7 @@
             </a:ln>
             <a:extLst>
               <a:ext uri="{91240B29-F687-4f45-9708-019B960494DF}">
-                <a14:hiddenLine xmlns:a14="http://schemas.microsoft.com/office/drawing/2010/main" xmlns="" w="9525">
+                <a14:hiddenLine xmlns="" xmlns:a14="http://schemas.microsoft.com/office/drawing/2010/main" w="9525">
                   <a:solidFill>
                     <a:srgbClr val="000000"/>
                   </a:solidFill>
@@ -4798,7 +4770,7 @@
             </a:ln>
             <a:extLst>
               <a:ext uri="{91240B29-F687-4f45-9708-019B960494DF}">
-                <a14:hiddenLine xmlns:a14="http://schemas.microsoft.com/office/drawing/2010/main" xmlns="" w="9525">
+                <a14:hiddenLine xmlns="" xmlns:a14="http://schemas.microsoft.com/office/drawing/2010/main" w="9525">
                   <a:solidFill>
                     <a:srgbClr val="000000"/>
                   </a:solidFill>
@@ -4860,7 +4832,7 @@
             </a:ln>
             <a:extLst>
               <a:ext uri="{91240B29-F687-4f45-9708-019B960494DF}">
-                <a14:hiddenLine xmlns:a14="http://schemas.microsoft.com/office/drawing/2010/main" xmlns="" w="9525">
+                <a14:hiddenLine xmlns="" xmlns:a14="http://schemas.microsoft.com/office/drawing/2010/main" w="9525">
                   <a:solidFill>
                     <a:srgbClr val="000000"/>
                   </a:solidFill>
@@ -4922,7 +4894,7 @@
             </a:ln>
             <a:extLst>
               <a:ext uri="{91240B29-F687-4f45-9708-019B960494DF}">
-                <a14:hiddenLine xmlns:a14="http://schemas.microsoft.com/office/drawing/2010/main" xmlns="" w="9525">
+                <a14:hiddenLine xmlns="" xmlns:a14="http://schemas.microsoft.com/office/drawing/2010/main" w="9525">
                   <a:solidFill>
                     <a:srgbClr val="000000"/>
                   </a:solidFill>
@@ -5012,7 +4984,7 @@
             </a:ln>
             <a:extLst>
               <a:ext uri="{91240B29-F687-4f45-9708-019B960494DF}">
-                <a14:hiddenLine xmlns:a14="http://schemas.microsoft.com/office/drawing/2010/main" xmlns="" w="9525">
+                <a14:hiddenLine xmlns="" xmlns:a14="http://schemas.microsoft.com/office/drawing/2010/main" w="9525">
                   <a:solidFill>
                     <a:srgbClr val="000000"/>
                   </a:solidFill>
@@ -5102,7 +5074,7 @@
             </a:ln>
             <a:extLst>
               <a:ext uri="{91240B29-F687-4f45-9708-019B960494DF}">
-                <a14:hiddenLine xmlns:a14="http://schemas.microsoft.com/office/drawing/2010/main" xmlns="" w="9525">
+                <a14:hiddenLine xmlns="" xmlns:a14="http://schemas.microsoft.com/office/drawing/2010/main" w="9525">
                   <a:solidFill>
                     <a:srgbClr val="000000"/>
                   </a:solidFill>
@@ -5164,7 +5136,7 @@
             </a:ln>
             <a:extLst>
               <a:ext uri="{91240B29-F687-4f45-9708-019B960494DF}">
-                <a14:hiddenLine xmlns:a14="http://schemas.microsoft.com/office/drawing/2010/main" xmlns="" w="9525">
+                <a14:hiddenLine xmlns="" xmlns:a14="http://schemas.microsoft.com/office/drawing/2010/main" w="9525">
                   <a:solidFill>
                     <a:srgbClr val="000000"/>
                   </a:solidFill>
@@ -5274,7 +5246,7 @@
             </a:ln>
             <a:extLst>
               <a:ext uri="{91240B29-F687-4f45-9708-019B960494DF}">
-                <a14:hiddenLine xmlns:a14="http://schemas.microsoft.com/office/drawing/2010/main" xmlns="" w="9525">
+                <a14:hiddenLine xmlns="" xmlns:a14="http://schemas.microsoft.com/office/drawing/2010/main" w="9525">
                   <a:solidFill>
                     <a:srgbClr val="000000"/>
                   </a:solidFill>
@@ -5336,7 +5308,7 @@
             </a:ln>
             <a:extLst>
               <a:ext uri="{91240B29-F687-4f45-9708-019B960494DF}">
-                <a14:hiddenLine xmlns:a14="http://schemas.microsoft.com/office/drawing/2010/main" xmlns="" w="9525">
+                <a14:hiddenLine xmlns="" xmlns:a14="http://schemas.microsoft.com/office/drawing/2010/main" w="9525">
                   <a:solidFill>
                     <a:srgbClr val="000000"/>
                   </a:solidFill>
@@ -5426,7 +5398,7 @@
             </a:ln>
             <a:extLst>
               <a:ext uri="{91240B29-F687-4f45-9708-019B960494DF}">
-                <a14:hiddenLine xmlns:a14="http://schemas.microsoft.com/office/drawing/2010/main" xmlns="" w="9525">
+                <a14:hiddenLine xmlns="" xmlns:a14="http://schemas.microsoft.com/office/drawing/2010/main" w="9525">
                   <a:solidFill>
                     <a:srgbClr val="000000"/>
                   </a:solidFill>
@@ -5516,7 +5488,7 @@
             </a:ln>
             <a:extLst>
               <a:ext uri="{91240B29-F687-4f45-9708-019B960494DF}">
-                <a14:hiddenLine xmlns:a14="http://schemas.microsoft.com/office/drawing/2010/main" xmlns="" w="9525">
+                <a14:hiddenLine xmlns="" xmlns:a14="http://schemas.microsoft.com/office/drawing/2010/main" w="9525">
                   <a:solidFill>
                     <a:srgbClr val="000000"/>
                   </a:solidFill>
@@ -5578,7 +5550,7 @@
             </a:ln>
             <a:extLst>
               <a:ext uri="{91240B29-F687-4f45-9708-019B960494DF}">
-                <a14:hiddenLine xmlns:a14="http://schemas.microsoft.com/office/drawing/2010/main" xmlns="" w="9525">
+                <a14:hiddenLine xmlns="" xmlns:a14="http://schemas.microsoft.com/office/drawing/2010/main" w="9525">
                   <a:solidFill>
                     <a:srgbClr val="000000"/>
                   </a:solidFill>
@@ -5668,7 +5640,7 @@
             </a:ln>
             <a:extLst>
               <a:ext uri="{91240B29-F687-4f45-9708-019B960494DF}">
-                <a14:hiddenLine xmlns:a14="http://schemas.microsoft.com/office/drawing/2010/main" xmlns="" w="9525">
+                <a14:hiddenLine xmlns="" xmlns:a14="http://schemas.microsoft.com/office/drawing/2010/main" w="9525">
                   <a:solidFill>
                     <a:srgbClr val="000000"/>
                   </a:solidFill>
@@ -5758,7 +5730,7 @@
             </a:ln>
             <a:extLst>
               <a:ext uri="{91240B29-F687-4f45-9708-019B960494DF}">
-                <a14:hiddenLine xmlns:a14="http://schemas.microsoft.com/office/drawing/2010/main" xmlns="" w="9525">
+                <a14:hiddenLine xmlns="" xmlns:a14="http://schemas.microsoft.com/office/drawing/2010/main" w="9525">
                   <a:solidFill>
                     <a:srgbClr val="000000"/>
                   </a:solidFill>
@@ -5814,7 +5786,7 @@
             </a:ln>
             <a:extLst>
               <a:ext uri="{91240B29-F687-4f45-9708-019B960494DF}">
-                <a14:hiddenLine xmlns:a14="http://schemas.microsoft.com/office/drawing/2010/main" xmlns="" w="9525">
+                <a14:hiddenLine xmlns="" xmlns:a14="http://schemas.microsoft.com/office/drawing/2010/main" w="9525">
                   <a:solidFill>
                     <a:srgbClr val="000000"/>
                   </a:solidFill>
@@ -5904,7 +5876,7 @@
             </a:ln>
             <a:extLst>
               <a:ext uri="{91240B29-F687-4f45-9708-019B960494DF}">
-                <a14:hiddenLine xmlns:a14="http://schemas.microsoft.com/office/drawing/2010/main" xmlns="" w="9525">
+                <a14:hiddenLine xmlns="" xmlns:a14="http://schemas.microsoft.com/office/drawing/2010/main" w="9525">
                   <a:solidFill>
                     <a:srgbClr val="000000"/>
                   </a:solidFill>
@@ -5960,7 +5932,7 @@
             </a:ln>
             <a:extLst>
               <a:ext uri="{91240B29-F687-4f45-9708-019B960494DF}">
-                <a14:hiddenLine xmlns:a14="http://schemas.microsoft.com/office/drawing/2010/main" xmlns="" w="9525">
+                <a14:hiddenLine xmlns="" xmlns:a14="http://schemas.microsoft.com/office/drawing/2010/main" w="9525">
                   <a:solidFill>
                     <a:srgbClr val="000000"/>
                   </a:solidFill>
@@ -6050,7 +6022,7 @@
             </a:ln>
             <a:extLst>
               <a:ext uri="{91240B29-F687-4f45-9708-019B960494DF}">
-                <a14:hiddenLine xmlns:a14="http://schemas.microsoft.com/office/drawing/2010/main" xmlns="" w="9525">
+                <a14:hiddenLine xmlns="" xmlns:a14="http://schemas.microsoft.com/office/drawing/2010/main" w="9525">
                   <a:solidFill>
                     <a:srgbClr val="000000"/>
                   </a:solidFill>
@@ -6118,7 +6090,7 @@
             </a:ln>
             <a:extLst>
               <a:ext uri="{91240B29-F687-4f45-9708-019B960494DF}">
-                <a14:hiddenLine xmlns:a14="http://schemas.microsoft.com/office/drawing/2010/main" xmlns="" w="9525">
+                <a14:hiddenLine xmlns="" xmlns:a14="http://schemas.microsoft.com/office/drawing/2010/main" w="9525">
                   <a:solidFill>
                     <a:srgbClr val="000000"/>
                   </a:solidFill>
@@ -6208,7 +6180,7 @@
             </a:ln>
             <a:extLst>
               <a:ext uri="{91240B29-F687-4f45-9708-019B960494DF}">
-                <a14:hiddenLine xmlns:a14="http://schemas.microsoft.com/office/drawing/2010/main" xmlns="" w="9525">
+                <a14:hiddenLine xmlns="" xmlns:a14="http://schemas.microsoft.com/office/drawing/2010/main" w="9525">
                   <a:solidFill>
                     <a:srgbClr val="000000"/>
                   </a:solidFill>
@@ -6276,7 +6248,7 @@
             </a:ln>
             <a:extLst>
               <a:ext uri="{91240B29-F687-4f45-9708-019B960494DF}">
-                <a14:hiddenLine xmlns:a14="http://schemas.microsoft.com/office/drawing/2010/main" xmlns="" w="9525">
+                <a14:hiddenLine xmlns="" xmlns:a14="http://schemas.microsoft.com/office/drawing/2010/main" w="9525">
                   <a:solidFill>
                     <a:srgbClr val="000000"/>
                   </a:solidFill>
@@ -6366,7 +6338,7 @@
             </a:ln>
             <a:extLst>
               <a:ext uri="{91240B29-F687-4f45-9708-019B960494DF}">
-                <a14:hiddenLine xmlns:a14="http://schemas.microsoft.com/office/drawing/2010/main" xmlns="" w="9525">
+                <a14:hiddenLine xmlns="" xmlns:a14="http://schemas.microsoft.com/office/drawing/2010/main" w="9525">
                   <a:solidFill>
                     <a:srgbClr val="000000"/>
                   </a:solidFill>
@@ -6400,7 +6372,7 @@
             </a:ln>
             <a:extLst>
               <a:ext uri="{91240B29-F687-4f45-9708-019B960494DF}">
-                <a14:hiddenLine xmlns:a14="http://schemas.microsoft.com/office/drawing/2010/main" xmlns="" w="9525">
+                <a14:hiddenLine xmlns="" xmlns:a14="http://schemas.microsoft.com/office/drawing/2010/main" w="9525">
                   <a:solidFill>
                     <a:srgbClr val="000000"/>
                   </a:solidFill>
@@ -6490,7 +6462,7 @@
             </a:ln>
             <a:extLst>
               <a:ext uri="{91240B29-F687-4f45-9708-019B960494DF}">
-                <a14:hiddenLine xmlns:a14="http://schemas.microsoft.com/office/drawing/2010/main" xmlns="" w="9525">
+                <a14:hiddenLine xmlns="" xmlns:a14="http://schemas.microsoft.com/office/drawing/2010/main" w="9525">
                   <a:solidFill>
                     <a:srgbClr val="000000"/>
                   </a:solidFill>
@@ -6552,7 +6524,7 @@
             </a:ln>
             <a:extLst>
               <a:ext uri="{91240B29-F687-4f45-9708-019B960494DF}">
-                <a14:hiddenLine xmlns:a14="http://schemas.microsoft.com/office/drawing/2010/main" xmlns="" w="9525">
+                <a14:hiddenLine xmlns="" xmlns:a14="http://schemas.microsoft.com/office/drawing/2010/main" w="9525">
                   <a:solidFill>
                     <a:srgbClr val="000000"/>
                   </a:solidFill>
@@ -6614,7 +6586,7 @@
             </a:ln>
             <a:extLst>
               <a:ext uri="{91240B29-F687-4f45-9708-019B960494DF}">
-                <a14:hiddenLine xmlns:a14="http://schemas.microsoft.com/office/drawing/2010/main" xmlns="" w="9525">
+                <a14:hiddenLine xmlns="" xmlns:a14="http://schemas.microsoft.com/office/drawing/2010/main" w="9525">
                   <a:solidFill>
                     <a:srgbClr val="000000"/>
                   </a:solidFill>
@@ -6704,7 +6676,7 @@
             </a:ln>
             <a:extLst>
               <a:ext uri="{91240B29-F687-4f45-9708-019B960494DF}">
-                <a14:hiddenLine xmlns:a14="http://schemas.microsoft.com/office/drawing/2010/main" xmlns="" w="9525">
+                <a14:hiddenLine xmlns="" xmlns:a14="http://schemas.microsoft.com/office/drawing/2010/main" w="9525">
                   <a:solidFill>
                     <a:srgbClr val="000000"/>
                   </a:solidFill>
@@ -6772,7 +6744,7 @@
             </a:ln>
             <a:extLst>
               <a:ext uri="{91240B29-F687-4f45-9708-019B960494DF}">
-                <a14:hiddenLine xmlns:a14="http://schemas.microsoft.com/office/drawing/2010/main" xmlns="" w="9525">
+                <a14:hiddenLine xmlns="" xmlns:a14="http://schemas.microsoft.com/office/drawing/2010/main" w="9525">
                   <a:solidFill>
                     <a:srgbClr val="000000"/>
                   </a:solidFill>
@@ -6834,7 +6806,7 @@
             </a:ln>
             <a:extLst>
               <a:ext uri="{91240B29-F687-4f45-9708-019B960494DF}">
-                <a14:hiddenLine xmlns:a14="http://schemas.microsoft.com/office/drawing/2010/main" xmlns="" w="9525">
+                <a14:hiddenLine xmlns="" xmlns:a14="http://schemas.microsoft.com/office/drawing/2010/main" w="9525">
                   <a:solidFill>
                     <a:srgbClr val="000000"/>
                   </a:solidFill>
@@ -6924,7 +6896,7 @@
             </a:ln>
             <a:extLst>
               <a:ext uri="{91240B29-F687-4f45-9708-019B960494DF}">
-                <a14:hiddenLine xmlns:a14="http://schemas.microsoft.com/office/drawing/2010/main" xmlns="" w="9525">
+                <a14:hiddenLine xmlns="" xmlns:a14="http://schemas.microsoft.com/office/drawing/2010/main" w="9525">
                   <a:solidFill>
                     <a:srgbClr val="000000"/>
                   </a:solidFill>
@@ -6986,7 +6958,7 @@
             </a:ln>
             <a:extLst>
               <a:ext uri="{91240B29-F687-4f45-9708-019B960494DF}">
-                <a14:hiddenLine xmlns:a14="http://schemas.microsoft.com/office/drawing/2010/main" xmlns="" w="9525">
+                <a14:hiddenLine xmlns="" xmlns:a14="http://schemas.microsoft.com/office/drawing/2010/main" w="9525">
                   <a:solidFill>
                     <a:srgbClr val="000000"/>
                   </a:solidFill>
@@ -7076,7 +7048,7 @@
             </a:ln>
             <a:extLst>
               <a:ext uri="{91240B29-F687-4f45-9708-019B960494DF}">
-                <a14:hiddenLine xmlns:a14="http://schemas.microsoft.com/office/drawing/2010/main" xmlns="" w="9525">
+                <a14:hiddenLine xmlns="" xmlns:a14="http://schemas.microsoft.com/office/drawing/2010/main" w="9525">
                   <a:solidFill>
                     <a:srgbClr val="000000"/>
                   </a:solidFill>
@@ -7138,7 +7110,7 @@
             </a:ln>
             <a:extLst>
               <a:ext uri="{91240B29-F687-4f45-9708-019B960494DF}">
-                <a14:hiddenLine xmlns:a14="http://schemas.microsoft.com/office/drawing/2010/main" xmlns="" w="9525">
+                <a14:hiddenLine xmlns="" xmlns:a14="http://schemas.microsoft.com/office/drawing/2010/main" w="9525">
                   <a:solidFill>
                     <a:srgbClr val="000000"/>
                   </a:solidFill>
@@ -7228,7 +7200,7 @@
             </a:ln>
             <a:extLst>
               <a:ext uri="{91240B29-F687-4f45-9708-019B960494DF}">
-                <a14:hiddenLine xmlns:a14="http://schemas.microsoft.com/office/drawing/2010/main" xmlns="" w="9525">
+                <a14:hiddenLine xmlns="" xmlns:a14="http://schemas.microsoft.com/office/drawing/2010/main" w="9525">
                   <a:solidFill>
                     <a:srgbClr val="000000"/>
                   </a:solidFill>
@@ -7262,7 +7234,7 @@
             </a:ln>
             <a:extLst>
               <a:ext uri="{91240B29-F687-4f45-9708-019B960494DF}">
-                <a14:hiddenLine xmlns:a14="http://schemas.microsoft.com/office/drawing/2010/main" xmlns="" w="9525">
+                <a14:hiddenLine xmlns="" xmlns:a14="http://schemas.microsoft.com/office/drawing/2010/main" w="9525">
                   <a:solidFill>
                     <a:srgbClr val="000000"/>
                   </a:solidFill>
@@ -7327,7 +7299,7 @@
             </a:ln>
             <a:extLst>
               <a:ext uri="{91240B29-F687-4f45-9708-019B960494DF}">
-                <a14:hiddenLine xmlns:a14="http://schemas.microsoft.com/office/drawing/2010/main" xmlns="" w="9525">
+                <a14:hiddenLine xmlns="" xmlns:a14="http://schemas.microsoft.com/office/drawing/2010/main" w="9525">
                   <a:solidFill>
                     <a:srgbClr val="000000"/>
                   </a:solidFill>
@@ -7417,7 +7389,7 @@
             </a:ln>
             <a:extLst>
               <a:ext uri="{91240B29-F687-4f45-9708-019B960494DF}">
-                <a14:hiddenLine xmlns:a14="http://schemas.microsoft.com/office/drawing/2010/main" xmlns="" w="9525">
+                <a14:hiddenLine xmlns="" xmlns:a14="http://schemas.microsoft.com/office/drawing/2010/main" w="9525">
                   <a:solidFill>
                     <a:srgbClr val="000000"/>
                   </a:solidFill>
@@ -7479,7 +7451,7 @@
             </a:ln>
             <a:extLst>
               <a:ext uri="{91240B29-F687-4f45-9708-019B960494DF}">
-                <a14:hiddenLine xmlns:a14="http://schemas.microsoft.com/office/drawing/2010/main" xmlns="" w="9525">
+                <a14:hiddenLine xmlns="" xmlns:a14="http://schemas.microsoft.com/office/drawing/2010/main" w="9525">
                   <a:solidFill>
                     <a:srgbClr val="000000"/>
                   </a:solidFill>
@@ -7569,7 +7541,7 @@
             </a:ln>
             <a:extLst>
               <a:ext uri="{91240B29-F687-4f45-9708-019B960494DF}">
-                <a14:hiddenLine xmlns:a14="http://schemas.microsoft.com/office/drawing/2010/main" xmlns="" w="9525">
+                <a14:hiddenLine xmlns="" xmlns:a14="http://schemas.microsoft.com/office/drawing/2010/main" w="9525">
                   <a:solidFill>
                     <a:srgbClr val="000000"/>
                   </a:solidFill>
@@ -7659,7 +7631,7 @@
             </a:ln>
             <a:extLst>
               <a:ext uri="{91240B29-F687-4f45-9708-019B960494DF}">
-                <a14:hiddenLine xmlns:a14="http://schemas.microsoft.com/office/drawing/2010/main" xmlns="" w="9525">
+                <a14:hiddenLine xmlns="" xmlns:a14="http://schemas.microsoft.com/office/drawing/2010/main" w="9525">
                   <a:solidFill>
                     <a:srgbClr val="000000"/>
                   </a:solidFill>
@@ -7724,7 +7696,7 @@
             </a:ln>
             <a:extLst>
               <a:ext uri="{91240B29-F687-4f45-9708-019B960494DF}">
-                <a14:hiddenLine xmlns:a14="http://schemas.microsoft.com/office/drawing/2010/main" xmlns="" w="9525">
+                <a14:hiddenLine xmlns="" xmlns:a14="http://schemas.microsoft.com/office/drawing/2010/main" w="9525">
                   <a:solidFill>
                     <a:srgbClr val="000000"/>
                   </a:solidFill>
@@ -7786,7 +7758,7 @@
             </a:ln>
             <a:extLst>
               <a:ext uri="{91240B29-F687-4f45-9708-019B960494DF}">
-                <a14:hiddenLine xmlns:a14="http://schemas.microsoft.com/office/drawing/2010/main" xmlns="" w="9525">
+                <a14:hiddenLine xmlns="" xmlns:a14="http://schemas.microsoft.com/office/drawing/2010/main" w="9525">
                   <a:solidFill>
                     <a:srgbClr val="000000"/>
                   </a:solidFill>
@@ -7876,7 +7848,7 @@
             </a:ln>
             <a:extLst>
               <a:ext uri="{91240B29-F687-4f45-9708-019B960494DF}">
-                <a14:hiddenLine xmlns:a14="http://schemas.microsoft.com/office/drawing/2010/main" xmlns="" w="9525">
+                <a14:hiddenLine xmlns="" xmlns:a14="http://schemas.microsoft.com/office/drawing/2010/main" w="9525">
                   <a:solidFill>
                     <a:srgbClr val="000000"/>
                   </a:solidFill>
@@ -7966,7 +7938,7 @@
             </a:ln>
             <a:extLst>
               <a:ext uri="{91240B29-F687-4f45-9708-019B960494DF}">
-                <a14:hiddenLine xmlns:a14="http://schemas.microsoft.com/office/drawing/2010/main" xmlns="" w="9525">
+                <a14:hiddenLine xmlns="" xmlns:a14="http://schemas.microsoft.com/office/drawing/2010/main" w="9525">
                   <a:solidFill>
                     <a:srgbClr val="000000"/>
                   </a:solidFill>
@@ -8028,7 +8000,7 @@
             </a:ln>
             <a:extLst>
               <a:ext uri="{91240B29-F687-4f45-9708-019B960494DF}">
-                <a14:hiddenLine xmlns:a14="http://schemas.microsoft.com/office/drawing/2010/main" xmlns="" w="9525">
+                <a14:hiddenLine xmlns="" xmlns:a14="http://schemas.microsoft.com/office/drawing/2010/main" w="9525">
                   <a:solidFill>
                     <a:srgbClr val="000000"/>
                   </a:solidFill>
@@ -8148,7 +8120,7 @@
             </a:ln>
             <a:extLst>
               <a:ext uri="{91240B29-F687-4f45-9708-019B960494DF}">
-                <a14:hiddenLine xmlns:a14="http://schemas.microsoft.com/office/drawing/2010/main" xmlns="" w="9525">
+                <a14:hiddenLine xmlns="" xmlns:a14="http://schemas.microsoft.com/office/drawing/2010/main" w="9525">
                   <a:solidFill>
                     <a:srgbClr val="000000"/>
                   </a:solidFill>
@@ -8216,7 +8188,7 @@
             </a:ln>
             <a:extLst>
               <a:ext uri="{91240B29-F687-4f45-9708-019B960494DF}">
-                <a14:hiddenLine xmlns:a14="http://schemas.microsoft.com/office/drawing/2010/main" xmlns="" w="9525">
+                <a14:hiddenLine xmlns="" xmlns:a14="http://schemas.microsoft.com/office/drawing/2010/main" w="9525">
                   <a:solidFill>
                     <a:srgbClr val="000000"/>
                   </a:solidFill>
@@ -8306,7 +8278,7 @@
             </a:ln>
             <a:extLst>
               <a:ext uri="{91240B29-F687-4f45-9708-019B960494DF}">
-                <a14:hiddenLine xmlns:a14="http://schemas.microsoft.com/office/drawing/2010/main" xmlns="" w="9525">
+                <a14:hiddenLine xmlns="" xmlns:a14="http://schemas.microsoft.com/office/drawing/2010/main" w="9525">
                   <a:solidFill>
                     <a:srgbClr val="000000"/>
                   </a:solidFill>
@@ -13028,7 +13000,7 @@
           <a:noFill/>
           <a:extLst>
             <a:ext uri="{909E8E84-426E-40dd-AFC4-6F175D3DCCD1}">
-              <a14:hiddenFill xmlns:a14="http://schemas.microsoft.com/office/drawing/2010/main" xmlns="">
+              <a14:hiddenFill xmlns="" xmlns:a14="http://schemas.microsoft.com/office/drawing/2010/main">
                 <a:solidFill>
                   <a:srgbClr val="FFFFFF"/>
                 </a:solidFill>
@@ -13102,7 +13074,7 @@
               </a:ln>
               <a:extLst>
                 <a:ext uri="{91240B29-F687-4f45-9708-019B960494DF}">
-                  <a14:hiddenLine xmlns:a14="http://schemas.microsoft.com/office/drawing/2010/main" xmlns="" w="9525">
+                  <a14:hiddenLine xmlns="" xmlns:a14="http://schemas.microsoft.com/office/drawing/2010/main" w="9525">
                     <a:solidFill>
                       <a:srgbClr val="000000"/>
                     </a:solidFill>
@@ -13192,7 +13164,7 @@
               </a:ln>
               <a:extLst>
                 <a:ext uri="{91240B29-F687-4f45-9708-019B960494DF}">
-                  <a14:hiddenLine xmlns:a14="http://schemas.microsoft.com/office/drawing/2010/main" xmlns="" w="9525">
+                  <a14:hiddenLine xmlns="" xmlns:a14="http://schemas.microsoft.com/office/drawing/2010/main" w="9525">
                     <a:solidFill>
                       <a:srgbClr val="000000"/>
                     </a:solidFill>
@@ -13282,7 +13254,7 @@
               </a:ln>
               <a:extLst>
                 <a:ext uri="{91240B29-F687-4f45-9708-019B960494DF}">
-                  <a14:hiddenLine xmlns:a14="http://schemas.microsoft.com/office/drawing/2010/main" xmlns="" w="9525">
+                  <a14:hiddenLine xmlns="" xmlns:a14="http://schemas.microsoft.com/office/drawing/2010/main" w="9525">
                     <a:solidFill>
                       <a:srgbClr val="000000"/>
                     </a:solidFill>
@@ -13344,7 +13316,7 @@
               </a:ln>
               <a:extLst>
                 <a:ext uri="{91240B29-F687-4f45-9708-019B960494DF}">
-                  <a14:hiddenLine xmlns:a14="http://schemas.microsoft.com/office/drawing/2010/main" xmlns="" w="9525">
+                  <a14:hiddenLine xmlns="" xmlns:a14="http://schemas.microsoft.com/office/drawing/2010/main" w="9525">
                     <a:solidFill>
                       <a:srgbClr val="000000"/>
                     </a:solidFill>
@@ -13434,7 +13406,7 @@
               </a:ln>
               <a:extLst>
                 <a:ext uri="{91240B29-F687-4f45-9708-019B960494DF}">
-                  <a14:hiddenLine xmlns:a14="http://schemas.microsoft.com/office/drawing/2010/main" xmlns="" w="9525">
+                  <a14:hiddenLine xmlns="" xmlns:a14="http://schemas.microsoft.com/office/drawing/2010/main" w="9525">
                     <a:solidFill>
                       <a:srgbClr val="000000"/>
                     </a:solidFill>
@@ -13496,7 +13468,7 @@
               </a:ln>
               <a:extLst>
                 <a:ext uri="{91240B29-F687-4f45-9708-019B960494DF}">
-                  <a14:hiddenLine xmlns:a14="http://schemas.microsoft.com/office/drawing/2010/main" xmlns="" w="9525">
+                  <a14:hiddenLine xmlns="" xmlns:a14="http://schemas.microsoft.com/office/drawing/2010/main" w="9525">
                     <a:solidFill>
                       <a:srgbClr val="000000"/>
                     </a:solidFill>
@@ -13558,7 +13530,7 @@
               </a:ln>
               <a:extLst>
                 <a:ext uri="{91240B29-F687-4f45-9708-019B960494DF}">
-                  <a14:hiddenLine xmlns:a14="http://schemas.microsoft.com/office/drawing/2010/main" xmlns="" w="9525">
+                  <a14:hiddenLine xmlns="" xmlns:a14="http://schemas.microsoft.com/office/drawing/2010/main" w="9525">
                     <a:solidFill>
                       <a:srgbClr val="000000"/>
                     </a:solidFill>
@@ -13648,7 +13620,7 @@
               </a:ln>
               <a:extLst>
                 <a:ext uri="{91240B29-F687-4f45-9708-019B960494DF}">
-                  <a14:hiddenLine xmlns:a14="http://schemas.microsoft.com/office/drawing/2010/main" xmlns="" w="9525">
+                  <a14:hiddenLine xmlns="" xmlns:a14="http://schemas.microsoft.com/office/drawing/2010/main" w="9525">
                     <a:solidFill>
                       <a:srgbClr val="000000"/>
                     </a:solidFill>
@@ -13738,7 +13710,7 @@
               </a:ln>
               <a:extLst>
                 <a:ext uri="{91240B29-F687-4f45-9708-019B960494DF}">
-                  <a14:hiddenLine xmlns:a14="http://schemas.microsoft.com/office/drawing/2010/main" xmlns="" w="9525">
+                  <a14:hiddenLine xmlns="" xmlns:a14="http://schemas.microsoft.com/office/drawing/2010/main" w="9525">
                     <a:solidFill>
                       <a:srgbClr val="000000"/>
                     </a:solidFill>
@@ -13800,7 +13772,7 @@
               </a:ln>
               <a:extLst>
                 <a:ext uri="{91240B29-F687-4f45-9708-019B960494DF}">
-                  <a14:hiddenLine xmlns:a14="http://schemas.microsoft.com/office/drawing/2010/main" xmlns="" w="9525">
+                  <a14:hiddenLine xmlns="" xmlns:a14="http://schemas.microsoft.com/office/drawing/2010/main" w="9525">
                     <a:solidFill>
                       <a:srgbClr val="000000"/>
                     </a:solidFill>
@@ -13910,7 +13882,7 @@
               </a:ln>
               <a:extLst>
                 <a:ext uri="{91240B29-F687-4f45-9708-019B960494DF}">
-                  <a14:hiddenLine xmlns:a14="http://schemas.microsoft.com/office/drawing/2010/main" xmlns="" w="9525">
+                  <a14:hiddenLine xmlns="" xmlns:a14="http://schemas.microsoft.com/office/drawing/2010/main" w="9525">
                     <a:solidFill>
                       <a:srgbClr val="000000"/>
                     </a:solidFill>
@@ -13994,7 +13966,7 @@
               </a:ln>
               <a:extLst>
                 <a:ext uri="{91240B29-F687-4f45-9708-019B960494DF}">
-                  <a14:hiddenLine xmlns:a14="http://schemas.microsoft.com/office/drawing/2010/main" xmlns="" w="9525">
+                  <a14:hiddenLine xmlns="" xmlns:a14="http://schemas.microsoft.com/office/drawing/2010/main" w="9525">
                     <a:solidFill>
                       <a:srgbClr val="000000"/>
                     </a:solidFill>
@@ -14056,7 +14028,7 @@
               </a:ln>
               <a:extLst>
                 <a:ext uri="{91240B29-F687-4f45-9708-019B960494DF}">
-                  <a14:hiddenLine xmlns:a14="http://schemas.microsoft.com/office/drawing/2010/main" xmlns="" w="9525">
+                  <a14:hiddenLine xmlns="" xmlns:a14="http://schemas.microsoft.com/office/drawing/2010/main" w="9525">
                     <a:solidFill>
                       <a:srgbClr val="000000"/>
                     </a:solidFill>
@@ -14118,7 +14090,7 @@
               </a:ln>
               <a:extLst>
                 <a:ext uri="{91240B29-F687-4f45-9708-019B960494DF}">
-                  <a14:hiddenLine xmlns:a14="http://schemas.microsoft.com/office/drawing/2010/main" xmlns="" w="9525">
+                  <a14:hiddenLine xmlns="" xmlns:a14="http://schemas.microsoft.com/office/drawing/2010/main" w="9525">
                     <a:solidFill>
                       <a:srgbClr val="000000"/>
                     </a:solidFill>
@@ -14208,7 +14180,7 @@
               </a:ln>
               <a:extLst>
                 <a:ext uri="{91240B29-F687-4f45-9708-019B960494DF}">
-                  <a14:hiddenLine xmlns:a14="http://schemas.microsoft.com/office/drawing/2010/main" xmlns="" w="9525">
+                  <a14:hiddenLine xmlns="" xmlns:a14="http://schemas.microsoft.com/office/drawing/2010/main" w="9525">
                     <a:solidFill>
                       <a:srgbClr val="000000"/>
                     </a:solidFill>
@@ -14242,7 +14214,7 @@
               </a:ln>
               <a:extLst>
                 <a:ext uri="{91240B29-F687-4f45-9708-019B960494DF}">
-                  <a14:hiddenLine xmlns:a14="http://schemas.microsoft.com/office/drawing/2010/main" xmlns="" w="9525">
+                  <a14:hiddenLine xmlns="" xmlns:a14="http://schemas.microsoft.com/office/drawing/2010/main" w="9525">
                     <a:solidFill>
                       <a:srgbClr val="000000"/>
                     </a:solidFill>
@@ -14307,7 +14279,7 @@
               </a:ln>
               <a:extLst>
                 <a:ext uri="{91240B29-F687-4f45-9708-019B960494DF}">
-                  <a14:hiddenLine xmlns:a14="http://schemas.microsoft.com/office/drawing/2010/main" xmlns="" w="9525">
+                  <a14:hiddenLine xmlns="" xmlns:a14="http://schemas.microsoft.com/office/drawing/2010/main" w="9525">
                     <a:solidFill>
                       <a:srgbClr val="000000"/>
                     </a:solidFill>
@@ -14397,7 +14369,7 @@
               </a:ln>
               <a:extLst>
                 <a:ext uri="{91240B29-F687-4f45-9708-019B960494DF}">
-                  <a14:hiddenLine xmlns:a14="http://schemas.microsoft.com/office/drawing/2010/main" xmlns="" w="9525">
+                  <a14:hiddenLine xmlns="" xmlns:a14="http://schemas.microsoft.com/office/drawing/2010/main" w="9525">
                     <a:solidFill>
                       <a:srgbClr val="000000"/>
                     </a:solidFill>
@@ -14459,7 +14431,7 @@
               </a:ln>
               <a:extLst>
                 <a:ext uri="{91240B29-F687-4f45-9708-019B960494DF}">
-                  <a14:hiddenLine xmlns:a14="http://schemas.microsoft.com/office/drawing/2010/main" xmlns="" w="9525">
+                  <a14:hiddenLine xmlns="" xmlns:a14="http://schemas.microsoft.com/office/drawing/2010/main" w="9525">
                     <a:solidFill>
                       <a:srgbClr val="000000"/>
                     </a:solidFill>
@@ -14549,7 +14521,7 @@
               </a:ln>
               <a:extLst>
                 <a:ext uri="{91240B29-F687-4f45-9708-019B960494DF}">
-                  <a14:hiddenLine xmlns:a14="http://schemas.microsoft.com/office/drawing/2010/main" xmlns="" w="9525">
+                  <a14:hiddenLine xmlns="" xmlns:a14="http://schemas.microsoft.com/office/drawing/2010/main" w="9525">
                     <a:solidFill>
                       <a:srgbClr val="000000"/>
                     </a:solidFill>
@@ -14614,7 +14586,7 @@
               </a:ln>
               <a:extLst>
                 <a:ext uri="{91240B29-F687-4f45-9708-019B960494DF}">
-                  <a14:hiddenLine xmlns:a14="http://schemas.microsoft.com/office/drawing/2010/main" xmlns="" w="9525">
+                  <a14:hiddenLine xmlns="" xmlns:a14="http://schemas.microsoft.com/office/drawing/2010/main" w="9525">
                     <a:solidFill>
                       <a:srgbClr val="000000"/>
                     </a:solidFill>
@@ -14676,7 +14648,7 @@
               </a:ln>
               <a:extLst>
                 <a:ext uri="{91240B29-F687-4f45-9708-019B960494DF}">
-                  <a14:hiddenLine xmlns:a14="http://schemas.microsoft.com/office/drawing/2010/main" xmlns="" w="9525">
+                  <a14:hiddenLine xmlns="" xmlns:a14="http://schemas.microsoft.com/office/drawing/2010/main" w="9525">
                     <a:solidFill>
                       <a:srgbClr val="000000"/>
                     </a:solidFill>
@@ -14766,7 +14738,7 @@
               </a:ln>
               <a:extLst>
                 <a:ext uri="{91240B29-F687-4f45-9708-019B960494DF}">
-                  <a14:hiddenLine xmlns:a14="http://schemas.microsoft.com/office/drawing/2010/main" xmlns="" w="9525">
+                  <a14:hiddenLine xmlns="" xmlns:a14="http://schemas.microsoft.com/office/drawing/2010/main" w="9525">
                     <a:solidFill>
                       <a:srgbClr val="000000"/>
                     </a:solidFill>
@@ -14856,7 +14828,7 @@
               </a:ln>
               <a:extLst>
                 <a:ext uri="{91240B29-F687-4f45-9708-019B960494DF}">
-                  <a14:hiddenLine xmlns:a14="http://schemas.microsoft.com/office/drawing/2010/main" xmlns="" w="9525">
+                  <a14:hiddenLine xmlns="" xmlns:a14="http://schemas.microsoft.com/office/drawing/2010/main" w="9525">
                     <a:solidFill>
                       <a:srgbClr val="000000"/>
                     </a:solidFill>
@@ -14921,7 +14893,7 @@
               </a:ln>
               <a:extLst>
                 <a:ext uri="{91240B29-F687-4f45-9708-019B960494DF}">
-                  <a14:hiddenLine xmlns:a14="http://schemas.microsoft.com/office/drawing/2010/main" xmlns="" w="9525">
+                  <a14:hiddenLine xmlns="" xmlns:a14="http://schemas.microsoft.com/office/drawing/2010/main" w="9525">
                     <a:solidFill>
                       <a:srgbClr val="000000"/>
                     </a:solidFill>
@@ -15041,7 +15013,7 @@
               </a:ln>
               <a:extLst>
                 <a:ext uri="{91240B29-F687-4f45-9708-019B960494DF}">
-                  <a14:hiddenLine xmlns:a14="http://schemas.microsoft.com/office/drawing/2010/main" xmlns="" w="9525">
+                  <a14:hiddenLine xmlns="" xmlns:a14="http://schemas.microsoft.com/office/drawing/2010/main" w="9525">
                     <a:solidFill>
                       <a:srgbClr val="000000"/>
                     </a:solidFill>
@@ -15139,7 +15111,7 @@
               </a:ln>
               <a:extLst>
                 <a:ext uri="{91240B29-F687-4f45-9708-019B960494DF}">
-                  <a14:hiddenLine xmlns:a14="http://schemas.microsoft.com/office/drawing/2010/main" xmlns="" w="9525">
+                  <a14:hiddenLine xmlns="" xmlns:a14="http://schemas.microsoft.com/office/drawing/2010/main" w="9525">
                     <a:solidFill>
                       <a:srgbClr val="000000"/>
                     </a:solidFill>
@@ -15254,7 +15226,7 @@
               </a:ln>
               <a:extLst>
                 <a:ext uri="{91240B29-F687-4f45-9708-019B960494DF}">
-                  <a14:hiddenLine xmlns:a14="http://schemas.microsoft.com/office/drawing/2010/main" xmlns="" w="9525">
+                  <a14:hiddenLine xmlns="" xmlns:a14="http://schemas.microsoft.com/office/drawing/2010/main" w="9525">
                     <a:solidFill>
                       <a:srgbClr val="000000"/>
                     </a:solidFill>
@@ -15344,7 +15316,7 @@
               </a:ln>
               <a:extLst>
                 <a:ext uri="{91240B29-F687-4f45-9708-019B960494DF}">
-                  <a14:hiddenLine xmlns:a14="http://schemas.microsoft.com/office/drawing/2010/main" xmlns="" w="9525">
+                  <a14:hiddenLine xmlns="" xmlns:a14="http://schemas.microsoft.com/office/drawing/2010/main" w="9525">
                     <a:solidFill>
                       <a:srgbClr val="000000"/>
                     </a:solidFill>
@@ -15409,7 +15381,7 @@
               </a:ln>
               <a:extLst>
                 <a:ext uri="{91240B29-F687-4f45-9708-019B960494DF}">
-                  <a14:hiddenLine xmlns:a14="http://schemas.microsoft.com/office/drawing/2010/main" xmlns="" w="9525">
+                  <a14:hiddenLine xmlns="" xmlns:a14="http://schemas.microsoft.com/office/drawing/2010/main" w="9525">
                     <a:solidFill>
                       <a:srgbClr val="000000"/>
                     </a:solidFill>
@@ -15499,7 +15471,7 @@
               </a:ln>
               <a:extLst>
                 <a:ext uri="{91240B29-F687-4f45-9708-019B960494DF}">
-                  <a14:hiddenLine xmlns:a14="http://schemas.microsoft.com/office/drawing/2010/main" xmlns="" w="9525">
+                  <a14:hiddenLine xmlns="" xmlns:a14="http://schemas.microsoft.com/office/drawing/2010/main" w="9525">
                     <a:solidFill>
                       <a:srgbClr val="000000"/>
                     </a:solidFill>
@@ -15567,7 +15539,7 @@
               </a:ln>
               <a:extLst>
                 <a:ext uri="{91240B29-F687-4f45-9708-019B960494DF}">
-                  <a14:hiddenLine xmlns:a14="http://schemas.microsoft.com/office/drawing/2010/main" xmlns="" w="9525">
+                  <a14:hiddenLine xmlns="" xmlns:a14="http://schemas.microsoft.com/office/drawing/2010/main" w="9525">
                     <a:solidFill>
                       <a:srgbClr val="000000"/>
                     </a:solidFill>
@@ -15657,7 +15629,7 @@
               </a:ln>
               <a:extLst>
                 <a:ext uri="{91240B29-F687-4f45-9708-019B960494DF}">
-                  <a14:hiddenLine xmlns:a14="http://schemas.microsoft.com/office/drawing/2010/main" xmlns="" w="9525">
+                  <a14:hiddenLine xmlns="" xmlns:a14="http://schemas.microsoft.com/office/drawing/2010/main" w="9525">
                     <a:solidFill>
                       <a:srgbClr val="000000"/>
                     </a:solidFill>
@@ -15725,7 +15697,7 @@
               </a:ln>
               <a:extLst>
                 <a:ext uri="{91240B29-F687-4f45-9708-019B960494DF}">
-                  <a14:hiddenLine xmlns:a14="http://schemas.microsoft.com/office/drawing/2010/main" xmlns="" w="9525">
+                  <a14:hiddenLine xmlns="" xmlns:a14="http://schemas.microsoft.com/office/drawing/2010/main" w="9525">
                     <a:solidFill>
                       <a:srgbClr val="000000"/>
                     </a:solidFill>
@@ -15815,7 +15787,7 @@
               </a:ln>
               <a:extLst>
                 <a:ext uri="{91240B29-F687-4f45-9708-019B960494DF}">
-                  <a14:hiddenLine xmlns:a14="http://schemas.microsoft.com/office/drawing/2010/main" xmlns="" w="9525">
+                  <a14:hiddenLine xmlns="" xmlns:a14="http://schemas.microsoft.com/office/drawing/2010/main" w="9525">
                     <a:solidFill>
                       <a:srgbClr val="000000"/>
                     </a:solidFill>
@@ -15849,7 +15821,7 @@
               </a:ln>
               <a:extLst>
                 <a:ext uri="{91240B29-F687-4f45-9708-019B960494DF}">
-                  <a14:hiddenLine xmlns:a14="http://schemas.microsoft.com/office/drawing/2010/main" xmlns="" w="9525">
+                  <a14:hiddenLine xmlns="" xmlns:a14="http://schemas.microsoft.com/office/drawing/2010/main" w="9525">
                     <a:solidFill>
                       <a:srgbClr val="000000"/>
                     </a:solidFill>
@@ -16543,11 +16515,7 @@
             </a:br>
             <a:r>
               <a:rPr lang="en-GB" dirty="0" smtClean="0"/>
-              <a:t>Four stages: </a:t>
-            </a:r>
-            <a:r>
-              <a:rPr lang="en-GB" dirty="0" smtClean="0"/>
-              <a:t>Operation of pipeline</a:t>
+              <a:t>Four stages: Operation of pipeline</a:t>
             </a:r>
             <a:endParaRPr lang="en-GB" dirty="0"/>
           </a:p>
@@ -17049,11 +17017,7 @@
             </a:br>
             <a:r>
               <a:rPr lang="en-GB" dirty="0" smtClean="0"/>
-              <a:t>First Stage: </a:t>
-            </a:r>
-            <a:r>
-              <a:rPr lang="en-GB" dirty="0" smtClean="0"/>
-              <a:t>Operation of pipeline</a:t>
+              <a:t>First Stage: Operation of pipeline</a:t>
             </a:r>
             <a:endParaRPr lang="en-GB" dirty="0"/>
           </a:p>
@@ -17394,11 +17358,7 @@
             </a:br>
             <a:r>
               <a:rPr lang="en-GB" dirty="0" smtClean="0"/>
-              <a:t>Second Stage: </a:t>
-            </a:r>
-            <a:r>
-              <a:rPr lang="en-GB" dirty="0" smtClean="0"/>
-              <a:t>Operation of pipeline</a:t>
+              <a:t>Second Stage: Operation of pipeline</a:t>
             </a:r>
             <a:endParaRPr lang="en-GB" dirty="0"/>
           </a:p>
@@ -17812,11 +17772,7 @@
             </a:br>
             <a:r>
               <a:rPr lang="en-GB" dirty="0" smtClean="0"/>
-              <a:t>Third Stage: </a:t>
-            </a:r>
-            <a:r>
-              <a:rPr lang="en-GB" dirty="0" smtClean="0"/>
-              <a:t>Operation of pipeline</a:t>
+              <a:t>Third Stage: Operation of pipeline</a:t>
             </a:r>
             <a:endParaRPr lang="en-GB" dirty="0"/>
           </a:p>
@@ -18311,11 +18267,7 @@
             </a:br>
             <a:r>
               <a:rPr lang="en-GB" dirty="0" smtClean="0"/>
-              <a:t>Fourth Stage: </a:t>
-            </a:r>
-            <a:r>
-              <a:rPr lang="en-GB" dirty="0" smtClean="0"/>
-              <a:t>Operation of pipeline</a:t>
+              <a:t>Fourth Stage: Operation of pipeline</a:t>
             </a:r>
             <a:endParaRPr lang="en-GB" dirty="0"/>
           </a:p>
@@ -21064,17 +21016,12 @@
             </a:pPr>
             <a:r>
               <a:rPr lang="en-US" b="1" u="sng" dirty="0" smtClean="0"/>
-              <a:t>Initial </a:t>
-            </a:r>
-            <a:r>
-              <a:rPr lang="en-US" b="1" u="sng" dirty="0" smtClean="0"/>
-              <a:t>population</a:t>
+              <a:t>Initial population</a:t>
             </a:r>
             <a:r>
               <a:rPr lang="en-US" dirty="0" smtClean="0"/>
               <a:t>: Algorithm starts by creating random initial population.</a:t>
             </a:r>
-            <a:endParaRPr lang="en-US" dirty="0" smtClean="0"/>
           </a:p>
           <a:p>
             <a:pPr marL="457200" indent="-457200">
@@ -21083,11 +21030,7 @@
             </a:pPr>
             <a:r>
               <a:rPr lang="en-US" b="1" u="sng" dirty="0" smtClean="0"/>
-              <a:t>Fitness </a:t>
-            </a:r>
-            <a:r>
-              <a:rPr lang="en-US" b="1" u="sng" dirty="0" smtClean="0"/>
-              <a:t>Evaluation</a:t>
+              <a:t>Fitness Evaluation</a:t>
             </a:r>
             <a:r>
               <a:rPr lang="en-US" dirty="0" smtClean="0"/>
@@ -21107,7 +21050,6 @@
               <a:rPr lang="en-US" dirty="0" smtClean="0"/>
               <a:t>: Fittest individuals are selected and they are allowed to pass their genes on to next generations.</a:t>
             </a:r>
-            <a:endParaRPr lang="en-US" dirty="0" smtClean="0"/>
           </a:p>
           <a:p>
             <a:pPr marL="457200" indent="-457200">
@@ -21158,7 +21100,6 @@
               <a:rPr lang="en-US" dirty="0" smtClean="0"/>
               <a:t> are placed back into the population.</a:t>
             </a:r>
-            <a:endParaRPr lang="en-US" dirty="0" smtClean="0"/>
           </a:p>
           <a:p>
             <a:pPr marL="457200" indent="-457200">
@@ -21167,11 +21108,7 @@
             </a:pPr>
             <a:r>
               <a:rPr lang="en-US" b="1" u="sng" dirty="0" smtClean="0"/>
-              <a:t>Population </a:t>
-            </a:r>
-            <a:r>
-              <a:rPr lang="en-US" b="1" u="sng" dirty="0" smtClean="0"/>
-              <a:t>converged</a:t>
+              <a:t>Population converged</a:t>
             </a:r>
             <a:r>
               <a:rPr lang="en-US" dirty="0" smtClean="0"/>
@@ -21779,11 +21716,7 @@
           <a:p>
             <a:r>
               <a:rPr lang="en-GB" dirty="0" smtClean="0"/>
-              <a:t>What is so special about genetic algorithms</a:t>
-            </a:r>
-            <a:r>
-              <a:rPr lang="en-GB" dirty="0" smtClean="0"/>
-              <a:t>?</a:t>
+              <a:t>What is so special about genetic algorithms?</a:t>
             </a:r>
           </a:p>
           <a:p>
@@ -21797,11 +21730,7 @@
           <a:p>
             <a:r>
               <a:rPr lang="en-GB" dirty="0" smtClean="0"/>
-              <a:t>Is there any problems</a:t>
-            </a:r>
-            <a:r>
-              <a:rPr lang="en-GB" dirty="0" smtClean="0"/>
-              <a:t>?</a:t>
+              <a:t>Is there any problems?</a:t>
             </a:r>
           </a:p>
           <a:p>
@@ -22875,11 +22804,7 @@
           <a:p>
             <a:r>
               <a:rPr lang="en-GB" dirty="0" smtClean="0"/>
-              <a:t>Great </a:t>
-            </a:r>
-            <a:r>
-              <a:rPr lang="en-GB" dirty="0" smtClean="0"/>
-              <a:t>parallelism &amp; extreme efficiency:</a:t>
+              <a:t>Great parallelism &amp; extreme efficiency:</a:t>
             </a:r>
           </a:p>
           <a:p>
@@ -23491,15 +23416,7 @@
           <a:p>
             <a:r>
               <a:rPr lang="en-GB" dirty="0" smtClean="0"/>
-              <a:t>Why </a:t>
-            </a:r>
-            <a:r>
-              <a:rPr lang="en-GB" dirty="0" smtClean="0"/>
-              <a:t>they are not good for parallelisation</a:t>
-            </a:r>
-            <a:r>
-              <a:rPr lang="en-GB" dirty="0" smtClean="0"/>
-              <a:t>?</a:t>
+              <a:t>Why they are not good for parallelisation?</a:t>
             </a:r>
           </a:p>
           <a:p>
@@ -23543,20 +23460,11 @@
               <a:rPr lang="en-GB" dirty="0" smtClean="0"/>
               <a:t>computers.</a:t>
             </a:r>
-            <a:endParaRPr lang="en-GB" dirty="0" smtClean="0"/>
           </a:p>
           <a:p>
             <a:r>
               <a:rPr lang="en-GB" dirty="0" smtClean="0"/>
-              <a:t>Genetic </a:t>
-            </a:r>
-            <a:r>
-              <a:rPr lang="en-GB" dirty="0" smtClean="0"/>
-              <a:t>Algorithm Parallel Accelerator (GAPA</a:t>
-            </a:r>
-            <a:r>
-              <a:rPr lang="en-GB" dirty="0" smtClean="0"/>
-              <a:t>)</a:t>
+              <a:t>Genetic Algorithm Parallel Accelerator (GAPA)</a:t>
             </a:r>
           </a:p>
           <a:p>
@@ -23579,7 +23487,6 @@
               <a:rPr lang="en-GB" dirty="0" smtClean="0"/>
               <a:t>and significant speedups can be obtained by use of GAPA.</a:t>
             </a:r>
-            <a:endParaRPr lang="en-GB" dirty="0" smtClean="0"/>
           </a:p>
           <a:p>
             <a:pPr marL="0" indent="0">

--- a/Genetic_Algorithms.pptx
+++ b/Genetic_Algorithms.pptx
@@ -4192,7 +4192,7 @@
           <a:noFill/>
           <a:extLst>
             <a:ext uri="{909E8E84-426E-40dd-AFC4-6F175D3DCCD1}">
-              <a14:hiddenFill xmlns="" xmlns:a14="http://schemas.microsoft.com/office/drawing/2010/main">
+              <a14:hiddenFill xmlns:a14="http://schemas.microsoft.com/office/drawing/2010/main" xmlns="">
                 <a:solidFill>
                   <a:srgbClr val="FFFFFF"/>
                 </a:solidFill>
@@ -4252,7 +4252,7 @@
             </a:ln>
             <a:extLst>
               <a:ext uri="{91240B29-F687-4f45-9708-019B960494DF}">
-                <a14:hiddenLine xmlns="" xmlns:a14="http://schemas.microsoft.com/office/drawing/2010/main" w="9525">
+                <a14:hiddenLine xmlns:a14="http://schemas.microsoft.com/office/drawing/2010/main" xmlns="" w="9525">
                   <a:solidFill>
                     <a:srgbClr val="000000"/>
                   </a:solidFill>
@@ -4342,7 +4342,7 @@
             </a:ln>
             <a:extLst>
               <a:ext uri="{91240B29-F687-4f45-9708-019B960494DF}">
-                <a14:hiddenLine xmlns="" xmlns:a14="http://schemas.microsoft.com/office/drawing/2010/main" w="9525">
+                <a14:hiddenLine xmlns:a14="http://schemas.microsoft.com/office/drawing/2010/main" xmlns="" w="9525">
                   <a:solidFill>
                     <a:srgbClr val="000000"/>
                   </a:solidFill>
@@ -4432,7 +4432,7 @@
             </a:ln>
             <a:extLst>
               <a:ext uri="{91240B29-F687-4f45-9708-019B960494DF}">
-                <a14:hiddenLine xmlns="" xmlns:a14="http://schemas.microsoft.com/office/drawing/2010/main" w="9525">
+                <a14:hiddenLine xmlns:a14="http://schemas.microsoft.com/office/drawing/2010/main" xmlns="" w="9525">
                   <a:solidFill>
                     <a:srgbClr val="000000"/>
                   </a:solidFill>
@@ -4466,7 +4466,7 @@
             </a:ln>
             <a:extLst>
               <a:ext uri="{91240B29-F687-4f45-9708-019B960494DF}">
-                <a14:hiddenLine xmlns="" xmlns:a14="http://schemas.microsoft.com/office/drawing/2010/main" w="9525">
+                <a14:hiddenLine xmlns:a14="http://schemas.microsoft.com/office/drawing/2010/main" xmlns="" w="9525">
                   <a:solidFill>
                     <a:srgbClr val="000000"/>
                   </a:solidFill>
@@ -4556,7 +4556,7 @@
             </a:ln>
             <a:extLst>
               <a:ext uri="{91240B29-F687-4f45-9708-019B960494DF}">
-                <a14:hiddenLine xmlns="" xmlns:a14="http://schemas.microsoft.com/office/drawing/2010/main" w="9525">
+                <a14:hiddenLine xmlns:a14="http://schemas.microsoft.com/office/drawing/2010/main" xmlns="" w="9525">
                   <a:solidFill>
                     <a:srgbClr val="000000"/>
                   </a:solidFill>
@@ -4618,7 +4618,7 @@
             </a:ln>
             <a:extLst>
               <a:ext uri="{91240B29-F687-4f45-9708-019B960494DF}">
-                <a14:hiddenLine xmlns="" xmlns:a14="http://schemas.microsoft.com/office/drawing/2010/main" w="9525">
+                <a14:hiddenLine xmlns:a14="http://schemas.microsoft.com/office/drawing/2010/main" xmlns="" w="9525">
                   <a:solidFill>
                     <a:srgbClr val="000000"/>
                   </a:solidFill>
@@ -4680,7 +4680,7 @@
             </a:ln>
             <a:extLst>
               <a:ext uri="{91240B29-F687-4f45-9708-019B960494DF}">
-                <a14:hiddenLine xmlns="" xmlns:a14="http://schemas.microsoft.com/office/drawing/2010/main" w="9525">
+                <a14:hiddenLine xmlns:a14="http://schemas.microsoft.com/office/drawing/2010/main" xmlns="" w="9525">
                   <a:solidFill>
                     <a:srgbClr val="000000"/>
                   </a:solidFill>
@@ -4770,7 +4770,7 @@
             </a:ln>
             <a:extLst>
               <a:ext uri="{91240B29-F687-4f45-9708-019B960494DF}">
-                <a14:hiddenLine xmlns="" xmlns:a14="http://schemas.microsoft.com/office/drawing/2010/main" w="9525">
+                <a14:hiddenLine xmlns:a14="http://schemas.microsoft.com/office/drawing/2010/main" xmlns="" w="9525">
                   <a:solidFill>
                     <a:srgbClr val="000000"/>
                   </a:solidFill>
@@ -4832,7 +4832,7 @@
             </a:ln>
             <a:extLst>
               <a:ext uri="{91240B29-F687-4f45-9708-019B960494DF}">
-                <a14:hiddenLine xmlns="" xmlns:a14="http://schemas.microsoft.com/office/drawing/2010/main" w="9525">
+                <a14:hiddenLine xmlns:a14="http://schemas.microsoft.com/office/drawing/2010/main" xmlns="" w="9525">
                   <a:solidFill>
                     <a:srgbClr val="000000"/>
                   </a:solidFill>
@@ -4894,7 +4894,7 @@
             </a:ln>
             <a:extLst>
               <a:ext uri="{91240B29-F687-4f45-9708-019B960494DF}">
-                <a14:hiddenLine xmlns="" xmlns:a14="http://schemas.microsoft.com/office/drawing/2010/main" w="9525">
+                <a14:hiddenLine xmlns:a14="http://schemas.microsoft.com/office/drawing/2010/main" xmlns="" w="9525">
                   <a:solidFill>
                     <a:srgbClr val="000000"/>
                   </a:solidFill>
@@ -4984,7 +4984,7 @@
             </a:ln>
             <a:extLst>
               <a:ext uri="{91240B29-F687-4f45-9708-019B960494DF}">
-                <a14:hiddenLine xmlns="" xmlns:a14="http://schemas.microsoft.com/office/drawing/2010/main" w="9525">
+                <a14:hiddenLine xmlns:a14="http://schemas.microsoft.com/office/drawing/2010/main" xmlns="" w="9525">
                   <a:solidFill>
                     <a:srgbClr val="000000"/>
                   </a:solidFill>
@@ -5074,7 +5074,7 @@
             </a:ln>
             <a:extLst>
               <a:ext uri="{91240B29-F687-4f45-9708-019B960494DF}">
-                <a14:hiddenLine xmlns="" xmlns:a14="http://schemas.microsoft.com/office/drawing/2010/main" w="9525">
+                <a14:hiddenLine xmlns:a14="http://schemas.microsoft.com/office/drawing/2010/main" xmlns="" w="9525">
                   <a:solidFill>
                     <a:srgbClr val="000000"/>
                   </a:solidFill>
@@ -5136,7 +5136,7 @@
             </a:ln>
             <a:extLst>
               <a:ext uri="{91240B29-F687-4f45-9708-019B960494DF}">
-                <a14:hiddenLine xmlns="" xmlns:a14="http://schemas.microsoft.com/office/drawing/2010/main" w="9525">
+                <a14:hiddenLine xmlns:a14="http://schemas.microsoft.com/office/drawing/2010/main" xmlns="" w="9525">
                   <a:solidFill>
                     <a:srgbClr val="000000"/>
                   </a:solidFill>
@@ -5246,7 +5246,7 @@
             </a:ln>
             <a:extLst>
               <a:ext uri="{91240B29-F687-4f45-9708-019B960494DF}">
-                <a14:hiddenLine xmlns="" xmlns:a14="http://schemas.microsoft.com/office/drawing/2010/main" w="9525">
+                <a14:hiddenLine xmlns:a14="http://schemas.microsoft.com/office/drawing/2010/main" xmlns="" w="9525">
                   <a:solidFill>
                     <a:srgbClr val="000000"/>
                   </a:solidFill>
@@ -5308,7 +5308,7 @@
             </a:ln>
             <a:extLst>
               <a:ext uri="{91240B29-F687-4f45-9708-019B960494DF}">
-                <a14:hiddenLine xmlns="" xmlns:a14="http://schemas.microsoft.com/office/drawing/2010/main" w="9525">
+                <a14:hiddenLine xmlns:a14="http://schemas.microsoft.com/office/drawing/2010/main" xmlns="" w="9525">
                   <a:solidFill>
                     <a:srgbClr val="000000"/>
                   </a:solidFill>
@@ -5398,7 +5398,7 @@
             </a:ln>
             <a:extLst>
               <a:ext uri="{91240B29-F687-4f45-9708-019B960494DF}">
-                <a14:hiddenLine xmlns="" xmlns:a14="http://schemas.microsoft.com/office/drawing/2010/main" w="9525">
+                <a14:hiddenLine xmlns:a14="http://schemas.microsoft.com/office/drawing/2010/main" xmlns="" w="9525">
                   <a:solidFill>
                     <a:srgbClr val="000000"/>
                   </a:solidFill>
@@ -5488,7 +5488,7 @@
             </a:ln>
             <a:extLst>
               <a:ext uri="{91240B29-F687-4f45-9708-019B960494DF}">
-                <a14:hiddenLine xmlns="" xmlns:a14="http://schemas.microsoft.com/office/drawing/2010/main" w="9525">
+                <a14:hiddenLine xmlns:a14="http://schemas.microsoft.com/office/drawing/2010/main" xmlns="" w="9525">
                   <a:solidFill>
                     <a:srgbClr val="000000"/>
                   </a:solidFill>
@@ -5550,7 +5550,7 @@
             </a:ln>
             <a:extLst>
               <a:ext uri="{91240B29-F687-4f45-9708-019B960494DF}">
-                <a14:hiddenLine xmlns="" xmlns:a14="http://schemas.microsoft.com/office/drawing/2010/main" w="9525">
+                <a14:hiddenLine xmlns:a14="http://schemas.microsoft.com/office/drawing/2010/main" xmlns="" w="9525">
                   <a:solidFill>
                     <a:srgbClr val="000000"/>
                   </a:solidFill>
@@ -5640,7 +5640,7 @@
             </a:ln>
             <a:extLst>
               <a:ext uri="{91240B29-F687-4f45-9708-019B960494DF}">
-                <a14:hiddenLine xmlns="" xmlns:a14="http://schemas.microsoft.com/office/drawing/2010/main" w="9525">
+                <a14:hiddenLine xmlns:a14="http://schemas.microsoft.com/office/drawing/2010/main" xmlns="" w="9525">
                   <a:solidFill>
                     <a:srgbClr val="000000"/>
                   </a:solidFill>
@@ -5730,7 +5730,7 @@
             </a:ln>
             <a:extLst>
               <a:ext uri="{91240B29-F687-4f45-9708-019B960494DF}">
-                <a14:hiddenLine xmlns="" xmlns:a14="http://schemas.microsoft.com/office/drawing/2010/main" w="9525">
+                <a14:hiddenLine xmlns:a14="http://schemas.microsoft.com/office/drawing/2010/main" xmlns="" w="9525">
                   <a:solidFill>
                     <a:srgbClr val="000000"/>
                   </a:solidFill>
@@ -5786,7 +5786,7 @@
             </a:ln>
             <a:extLst>
               <a:ext uri="{91240B29-F687-4f45-9708-019B960494DF}">
-                <a14:hiddenLine xmlns="" xmlns:a14="http://schemas.microsoft.com/office/drawing/2010/main" w="9525">
+                <a14:hiddenLine xmlns:a14="http://schemas.microsoft.com/office/drawing/2010/main" xmlns="" w="9525">
                   <a:solidFill>
                     <a:srgbClr val="000000"/>
                   </a:solidFill>
@@ -5876,7 +5876,7 @@
             </a:ln>
             <a:extLst>
               <a:ext uri="{91240B29-F687-4f45-9708-019B960494DF}">
-                <a14:hiddenLine xmlns="" xmlns:a14="http://schemas.microsoft.com/office/drawing/2010/main" w="9525">
+                <a14:hiddenLine xmlns:a14="http://schemas.microsoft.com/office/drawing/2010/main" xmlns="" w="9525">
                   <a:solidFill>
                     <a:srgbClr val="000000"/>
                   </a:solidFill>
@@ -5932,7 +5932,7 @@
             </a:ln>
             <a:extLst>
               <a:ext uri="{91240B29-F687-4f45-9708-019B960494DF}">
-                <a14:hiddenLine xmlns="" xmlns:a14="http://schemas.microsoft.com/office/drawing/2010/main" w="9525">
+                <a14:hiddenLine xmlns:a14="http://schemas.microsoft.com/office/drawing/2010/main" xmlns="" w="9525">
                   <a:solidFill>
                     <a:srgbClr val="000000"/>
                   </a:solidFill>
@@ -6022,7 +6022,7 @@
             </a:ln>
             <a:extLst>
               <a:ext uri="{91240B29-F687-4f45-9708-019B960494DF}">
-                <a14:hiddenLine xmlns="" xmlns:a14="http://schemas.microsoft.com/office/drawing/2010/main" w="9525">
+                <a14:hiddenLine xmlns:a14="http://schemas.microsoft.com/office/drawing/2010/main" xmlns="" w="9525">
                   <a:solidFill>
                     <a:srgbClr val="000000"/>
                   </a:solidFill>
@@ -6090,7 +6090,7 @@
             </a:ln>
             <a:extLst>
               <a:ext uri="{91240B29-F687-4f45-9708-019B960494DF}">
-                <a14:hiddenLine xmlns="" xmlns:a14="http://schemas.microsoft.com/office/drawing/2010/main" w="9525">
+                <a14:hiddenLine xmlns:a14="http://schemas.microsoft.com/office/drawing/2010/main" xmlns="" w="9525">
                   <a:solidFill>
                     <a:srgbClr val="000000"/>
                   </a:solidFill>
@@ -6180,7 +6180,7 @@
             </a:ln>
             <a:extLst>
               <a:ext uri="{91240B29-F687-4f45-9708-019B960494DF}">
-                <a14:hiddenLine xmlns="" xmlns:a14="http://schemas.microsoft.com/office/drawing/2010/main" w="9525">
+                <a14:hiddenLine xmlns:a14="http://schemas.microsoft.com/office/drawing/2010/main" xmlns="" w="9525">
                   <a:solidFill>
                     <a:srgbClr val="000000"/>
                   </a:solidFill>
@@ -6248,7 +6248,7 @@
             </a:ln>
             <a:extLst>
               <a:ext uri="{91240B29-F687-4f45-9708-019B960494DF}">
-                <a14:hiddenLine xmlns="" xmlns:a14="http://schemas.microsoft.com/office/drawing/2010/main" w="9525">
+                <a14:hiddenLine xmlns:a14="http://schemas.microsoft.com/office/drawing/2010/main" xmlns="" w="9525">
                   <a:solidFill>
                     <a:srgbClr val="000000"/>
                   </a:solidFill>
@@ -6338,7 +6338,7 @@
             </a:ln>
             <a:extLst>
               <a:ext uri="{91240B29-F687-4f45-9708-019B960494DF}">
-                <a14:hiddenLine xmlns="" xmlns:a14="http://schemas.microsoft.com/office/drawing/2010/main" w="9525">
+                <a14:hiddenLine xmlns:a14="http://schemas.microsoft.com/office/drawing/2010/main" xmlns="" w="9525">
                   <a:solidFill>
                     <a:srgbClr val="000000"/>
                   </a:solidFill>
@@ -6372,7 +6372,7 @@
             </a:ln>
             <a:extLst>
               <a:ext uri="{91240B29-F687-4f45-9708-019B960494DF}">
-                <a14:hiddenLine xmlns="" xmlns:a14="http://schemas.microsoft.com/office/drawing/2010/main" w="9525">
+                <a14:hiddenLine xmlns:a14="http://schemas.microsoft.com/office/drawing/2010/main" xmlns="" w="9525">
                   <a:solidFill>
                     <a:srgbClr val="000000"/>
                   </a:solidFill>
@@ -6462,7 +6462,7 @@
             </a:ln>
             <a:extLst>
               <a:ext uri="{91240B29-F687-4f45-9708-019B960494DF}">
-                <a14:hiddenLine xmlns="" xmlns:a14="http://schemas.microsoft.com/office/drawing/2010/main" w="9525">
+                <a14:hiddenLine xmlns:a14="http://schemas.microsoft.com/office/drawing/2010/main" xmlns="" w="9525">
                   <a:solidFill>
                     <a:srgbClr val="000000"/>
                   </a:solidFill>
@@ -6524,7 +6524,7 @@
             </a:ln>
             <a:extLst>
               <a:ext uri="{91240B29-F687-4f45-9708-019B960494DF}">
-                <a14:hiddenLine xmlns="" xmlns:a14="http://schemas.microsoft.com/office/drawing/2010/main" w="9525">
+                <a14:hiddenLine xmlns:a14="http://schemas.microsoft.com/office/drawing/2010/main" xmlns="" w="9525">
                   <a:solidFill>
                     <a:srgbClr val="000000"/>
                   </a:solidFill>
@@ -6586,7 +6586,7 @@
             </a:ln>
             <a:extLst>
               <a:ext uri="{91240B29-F687-4f45-9708-019B960494DF}">
-                <a14:hiddenLine xmlns="" xmlns:a14="http://schemas.microsoft.com/office/drawing/2010/main" w="9525">
+                <a14:hiddenLine xmlns:a14="http://schemas.microsoft.com/office/drawing/2010/main" xmlns="" w="9525">
                   <a:solidFill>
                     <a:srgbClr val="000000"/>
                   </a:solidFill>
@@ -6676,7 +6676,7 @@
             </a:ln>
             <a:extLst>
               <a:ext uri="{91240B29-F687-4f45-9708-019B960494DF}">
-                <a14:hiddenLine xmlns="" xmlns:a14="http://schemas.microsoft.com/office/drawing/2010/main" w="9525">
+                <a14:hiddenLine xmlns:a14="http://schemas.microsoft.com/office/drawing/2010/main" xmlns="" w="9525">
                   <a:solidFill>
                     <a:srgbClr val="000000"/>
                   </a:solidFill>
@@ -6744,7 +6744,7 @@
             </a:ln>
             <a:extLst>
               <a:ext uri="{91240B29-F687-4f45-9708-019B960494DF}">
-                <a14:hiddenLine xmlns="" xmlns:a14="http://schemas.microsoft.com/office/drawing/2010/main" w="9525">
+                <a14:hiddenLine xmlns:a14="http://schemas.microsoft.com/office/drawing/2010/main" xmlns="" w="9525">
                   <a:solidFill>
                     <a:srgbClr val="000000"/>
                   </a:solidFill>
@@ -6806,7 +6806,7 @@
             </a:ln>
             <a:extLst>
               <a:ext uri="{91240B29-F687-4f45-9708-019B960494DF}">
-                <a14:hiddenLine xmlns="" xmlns:a14="http://schemas.microsoft.com/office/drawing/2010/main" w="9525">
+                <a14:hiddenLine xmlns:a14="http://schemas.microsoft.com/office/drawing/2010/main" xmlns="" w="9525">
                   <a:solidFill>
                     <a:srgbClr val="000000"/>
                   </a:solidFill>
@@ -6896,7 +6896,7 @@
             </a:ln>
             <a:extLst>
               <a:ext uri="{91240B29-F687-4f45-9708-019B960494DF}">
-                <a14:hiddenLine xmlns="" xmlns:a14="http://schemas.microsoft.com/office/drawing/2010/main" w="9525">
+                <a14:hiddenLine xmlns:a14="http://schemas.microsoft.com/office/drawing/2010/main" xmlns="" w="9525">
                   <a:solidFill>
                     <a:srgbClr val="000000"/>
                   </a:solidFill>
@@ -6958,7 +6958,7 @@
             </a:ln>
             <a:extLst>
               <a:ext uri="{91240B29-F687-4f45-9708-019B960494DF}">
-                <a14:hiddenLine xmlns="" xmlns:a14="http://schemas.microsoft.com/office/drawing/2010/main" w="9525">
+                <a14:hiddenLine xmlns:a14="http://schemas.microsoft.com/office/drawing/2010/main" xmlns="" w="9525">
                   <a:solidFill>
                     <a:srgbClr val="000000"/>
                   </a:solidFill>
@@ -7048,7 +7048,7 @@
             </a:ln>
             <a:extLst>
               <a:ext uri="{91240B29-F687-4f45-9708-019B960494DF}">
-                <a14:hiddenLine xmlns="" xmlns:a14="http://schemas.microsoft.com/office/drawing/2010/main" w="9525">
+                <a14:hiddenLine xmlns:a14="http://schemas.microsoft.com/office/drawing/2010/main" xmlns="" w="9525">
                   <a:solidFill>
                     <a:srgbClr val="000000"/>
                   </a:solidFill>
@@ -7110,7 +7110,7 @@
             </a:ln>
             <a:extLst>
               <a:ext uri="{91240B29-F687-4f45-9708-019B960494DF}">
-                <a14:hiddenLine xmlns="" xmlns:a14="http://schemas.microsoft.com/office/drawing/2010/main" w="9525">
+                <a14:hiddenLine xmlns:a14="http://schemas.microsoft.com/office/drawing/2010/main" xmlns="" w="9525">
                   <a:solidFill>
                     <a:srgbClr val="000000"/>
                   </a:solidFill>
@@ -7200,7 +7200,7 @@
             </a:ln>
             <a:extLst>
               <a:ext uri="{91240B29-F687-4f45-9708-019B960494DF}">
-                <a14:hiddenLine xmlns="" xmlns:a14="http://schemas.microsoft.com/office/drawing/2010/main" w="9525">
+                <a14:hiddenLine xmlns:a14="http://schemas.microsoft.com/office/drawing/2010/main" xmlns="" w="9525">
                   <a:solidFill>
                     <a:srgbClr val="000000"/>
                   </a:solidFill>
@@ -7234,7 +7234,7 @@
             </a:ln>
             <a:extLst>
               <a:ext uri="{91240B29-F687-4f45-9708-019B960494DF}">
-                <a14:hiddenLine xmlns="" xmlns:a14="http://schemas.microsoft.com/office/drawing/2010/main" w="9525">
+                <a14:hiddenLine xmlns:a14="http://schemas.microsoft.com/office/drawing/2010/main" xmlns="" w="9525">
                   <a:solidFill>
                     <a:srgbClr val="000000"/>
                   </a:solidFill>
@@ -7299,7 +7299,7 @@
             </a:ln>
             <a:extLst>
               <a:ext uri="{91240B29-F687-4f45-9708-019B960494DF}">
-                <a14:hiddenLine xmlns="" xmlns:a14="http://schemas.microsoft.com/office/drawing/2010/main" w="9525">
+                <a14:hiddenLine xmlns:a14="http://schemas.microsoft.com/office/drawing/2010/main" xmlns="" w="9525">
                   <a:solidFill>
                     <a:srgbClr val="000000"/>
                   </a:solidFill>
@@ -7389,7 +7389,7 @@
             </a:ln>
             <a:extLst>
               <a:ext uri="{91240B29-F687-4f45-9708-019B960494DF}">
-                <a14:hiddenLine xmlns="" xmlns:a14="http://schemas.microsoft.com/office/drawing/2010/main" w="9525">
+                <a14:hiddenLine xmlns:a14="http://schemas.microsoft.com/office/drawing/2010/main" xmlns="" w="9525">
                   <a:solidFill>
                     <a:srgbClr val="000000"/>
                   </a:solidFill>
@@ -7451,7 +7451,7 @@
             </a:ln>
             <a:extLst>
               <a:ext uri="{91240B29-F687-4f45-9708-019B960494DF}">
-                <a14:hiddenLine xmlns="" xmlns:a14="http://schemas.microsoft.com/office/drawing/2010/main" w="9525">
+                <a14:hiddenLine xmlns:a14="http://schemas.microsoft.com/office/drawing/2010/main" xmlns="" w="9525">
                   <a:solidFill>
                     <a:srgbClr val="000000"/>
                   </a:solidFill>
@@ -7541,7 +7541,7 @@
             </a:ln>
             <a:extLst>
               <a:ext uri="{91240B29-F687-4f45-9708-019B960494DF}">
-                <a14:hiddenLine xmlns="" xmlns:a14="http://schemas.microsoft.com/office/drawing/2010/main" w="9525">
+                <a14:hiddenLine xmlns:a14="http://schemas.microsoft.com/office/drawing/2010/main" xmlns="" w="9525">
                   <a:solidFill>
                     <a:srgbClr val="000000"/>
                   </a:solidFill>
@@ -7631,7 +7631,7 @@
             </a:ln>
             <a:extLst>
               <a:ext uri="{91240B29-F687-4f45-9708-019B960494DF}">
-                <a14:hiddenLine xmlns="" xmlns:a14="http://schemas.microsoft.com/office/drawing/2010/main" w="9525">
+                <a14:hiddenLine xmlns:a14="http://schemas.microsoft.com/office/drawing/2010/main" xmlns="" w="9525">
                   <a:solidFill>
                     <a:srgbClr val="000000"/>
                   </a:solidFill>
@@ -7696,7 +7696,7 @@
             </a:ln>
             <a:extLst>
               <a:ext uri="{91240B29-F687-4f45-9708-019B960494DF}">
-                <a14:hiddenLine xmlns="" xmlns:a14="http://schemas.microsoft.com/office/drawing/2010/main" w="9525">
+                <a14:hiddenLine xmlns:a14="http://schemas.microsoft.com/office/drawing/2010/main" xmlns="" w="9525">
                   <a:solidFill>
                     <a:srgbClr val="000000"/>
                   </a:solidFill>
@@ -7758,7 +7758,7 @@
             </a:ln>
             <a:extLst>
               <a:ext uri="{91240B29-F687-4f45-9708-019B960494DF}">
-                <a14:hiddenLine xmlns="" xmlns:a14="http://schemas.microsoft.com/office/drawing/2010/main" w="9525">
+                <a14:hiddenLine xmlns:a14="http://schemas.microsoft.com/office/drawing/2010/main" xmlns="" w="9525">
                   <a:solidFill>
                     <a:srgbClr val="000000"/>
                   </a:solidFill>
@@ -7848,7 +7848,7 @@
             </a:ln>
             <a:extLst>
               <a:ext uri="{91240B29-F687-4f45-9708-019B960494DF}">
-                <a14:hiddenLine xmlns="" xmlns:a14="http://schemas.microsoft.com/office/drawing/2010/main" w="9525">
+                <a14:hiddenLine xmlns:a14="http://schemas.microsoft.com/office/drawing/2010/main" xmlns="" w="9525">
                   <a:solidFill>
                     <a:srgbClr val="000000"/>
                   </a:solidFill>
@@ -7938,7 +7938,7 @@
             </a:ln>
             <a:extLst>
               <a:ext uri="{91240B29-F687-4f45-9708-019B960494DF}">
-                <a14:hiddenLine xmlns="" xmlns:a14="http://schemas.microsoft.com/office/drawing/2010/main" w="9525">
+                <a14:hiddenLine xmlns:a14="http://schemas.microsoft.com/office/drawing/2010/main" xmlns="" w="9525">
                   <a:solidFill>
                     <a:srgbClr val="000000"/>
                   </a:solidFill>
@@ -8000,7 +8000,7 @@
             </a:ln>
             <a:extLst>
               <a:ext uri="{91240B29-F687-4f45-9708-019B960494DF}">
-                <a14:hiddenLine xmlns="" xmlns:a14="http://schemas.microsoft.com/office/drawing/2010/main" w="9525">
+                <a14:hiddenLine xmlns:a14="http://schemas.microsoft.com/office/drawing/2010/main" xmlns="" w="9525">
                   <a:solidFill>
                     <a:srgbClr val="000000"/>
                   </a:solidFill>
@@ -8120,7 +8120,7 @@
             </a:ln>
             <a:extLst>
               <a:ext uri="{91240B29-F687-4f45-9708-019B960494DF}">
-                <a14:hiddenLine xmlns="" xmlns:a14="http://schemas.microsoft.com/office/drawing/2010/main" w="9525">
+                <a14:hiddenLine xmlns:a14="http://schemas.microsoft.com/office/drawing/2010/main" xmlns="" w="9525">
                   <a:solidFill>
                     <a:srgbClr val="000000"/>
                   </a:solidFill>
@@ -8188,7 +8188,7 @@
             </a:ln>
             <a:extLst>
               <a:ext uri="{91240B29-F687-4f45-9708-019B960494DF}">
-                <a14:hiddenLine xmlns="" xmlns:a14="http://schemas.microsoft.com/office/drawing/2010/main" w="9525">
+                <a14:hiddenLine xmlns:a14="http://schemas.microsoft.com/office/drawing/2010/main" xmlns="" w="9525">
                   <a:solidFill>
                     <a:srgbClr val="000000"/>
                   </a:solidFill>
@@ -8278,7 +8278,7 @@
             </a:ln>
             <a:extLst>
               <a:ext uri="{91240B29-F687-4f45-9708-019B960494DF}">
-                <a14:hiddenLine xmlns="" xmlns:a14="http://schemas.microsoft.com/office/drawing/2010/main" w="9525">
+                <a14:hiddenLine xmlns:a14="http://schemas.microsoft.com/office/drawing/2010/main" xmlns="" w="9525">
                   <a:solidFill>
                     <a:srgbClr val="000000"/>
                   </a:solidFill>
@@ -8418,7 +8418,7 @@
           <a:p>
             <a:fld id="{48A87A34-81AB-432B-8DAE-1953F412C126}" type="datetimeFigureOut">
               <a:rPr lang="en-US" dirty="0"/>
-              <a:t>11/29/2018</a:t>
+              <a:t>11/29/18</a:t>
             </a:fld>
             <a:endParaRPr lang="en-US" dirty="0"/>
           </a:p>
@@ -8680,7 +8680,7 @@
           <a:p>
             <a:fld id="{48A87A34-81AB-432B-8DAE-1953F412C126}" type="datetimeFigureOut">
               <a:rPr lang="en-US" dirty="0"/>
-              <a:t>11/29/2018</a:t>
+              <a:t>11/29/18</a:t>
             </a:fld>
             <a:endParaRPr lang="en-US" dirty="0"/>
           </a:p>
@@ -8871,7 +8871,7 @@
           <a:p>
             <a:fld id="{48A87A34-81AB-432B-8DAE-1953F412C126}" type="datetimeFigureOut">
               <a:rPr lang="en-US" dirty="0"/>
-              <a:t>11/29/2018</a:t>
+              <a:t>11/29/18</a:t>
             </a:fld>
             <a:endParaRPr lang="en-US" dirty="0"/>
           </a:p>
@@ -9129,7 +9129,7 @@
           <a:p>
             <a:fld id="{48A87A34-81AB-432B-8DAE-1953F412C126}" type="datetimeFigureOut">
               <a:rPr lang="en-US" dirty="0"/>
-              <a:t>11/29/2018</a:t>
+              <a:t>11/29/18</a:t>
             </a:fld>
             <a:endParaRPr lang="en-US" dirty="0"/>
           </a:p>
@@ -9558,7 +9558,7 @@
           <a:p>
             <a:fld id="{48A87A34-81AB-432B-8DAE-1953F412C126}" type="datetimeFigureOut">
               <a:rPr lang="en-US" dirty="0"/>
-              <a:t>11/29/2018</a:t>
+              <a:t>11/29/18</a:t>
             </a:fld>
             <a:endParaRPr lang="en-US" dirty="0"/>
           </a:p>
@@ -10099,7 +10099,7 @@
           <a:p>
             <a:fld id="{48A87A34-81AB-432B-8DAE-1953F412C126}" type="datetimeFigureOut">
               <a:rPr lang="en-US" dirty="0"/>
-              <a:t>11/29/2018</a:t>
+              <a:t>11/29/18</a:t>
             </a:fld>
             <a:endParaRPr lang="en-US" dirty="0"/>
           </a:p>
@@ -10814,7 +10814,7 @@
           <a:p>
             <a:fld id="{48A87A34-81AB-432B-8DAE-1953F412C126}" type="datetimeFigureOut">
               <a:rPr lang="en-US" dirty="0"/>
-              <a:t>11/29/2018</a:t>
+              <a:t>11/29/18</a:t>
             </a:fld>
             <a:endParaRPr lang="en-US" dirty="0"/>
           </a:p>
@@ -10979,7 +10979,7 @@
           <a:p>
             <a:fld id="{48A87A34-81AB-432B-8DAE-1953F412C126}" type="datetimeFigureOut">
               <a:rPr lang="en-US" dirty="0"/>
-              <a:t>11/29/2018</a:t>
+              <a:t>11/29/18</a:t>
             </a:fld>
             <a:endParaRPr lang="en-US" dirty="0"/>
           </a:p>
@@ -11154,7 +11154,7 @@
           <a:p>
             <a:fld id="{48A87A34-81AB-432B-8DAE-1953F412C126}" type="datetimeFigureOut">
               <a:rPr lang="en-US" dirty="0"/>
-              <a:t>11/29/2018</a:t>
+              <a:t>11/29/18</a:t>
             </a:fld>
             <a:endParaRPr lang="en-US" dirty="0"/>
           </a:p>
@@ -11319,7 +11319,7 @@
           <a:p>
             <a:fld id="{48A87A34-81AB-432B-8DAE-1953F412C126}" type="datetimeFigureOut">
               <a:rPr lang="en-US" dirty="0"/>
-              <a:t>11/29/2018</a:t>
+              <a:t>11/29/18</a:t>
             </a:fld>
             <a:endParaRPr lang="en-US" dirty="0"/>
           </a:p>
@@ -11564,7 +11564,7 @@
           <a:p>
             <a:fld id="{48A87A34-81AB-432B-8DAE-1953F412C126}" type="datetimeFigureOut">
               <a:rPr lang="en-US" dirty="0"/>
-              <a:t>11/29/2018</a:t>
+              <a:t>11/29/18</a:t>
             </a:fld>
             <a:endParaRPr lang="en-US" dirty="0"/>
           </a:p>
@@ -11791,7 +11791,7 @@
           <a:p>
             <a:fld id="{48A87A34-81AB-432B-8DAE-1953F412C126}" type="datetimeFigureOut">
               <a:rPr lang="en-US" dirty="0"/>
-              <a:t>11/29/2018</a:t>
+              <a:t>11/29/18</a:t>
             </a:fld>
             <a:endParaRPr lang="en-US" dirty="0"/>
           </a:p>
@@ -12167,7 +12167,7 @@
           <a:p>
             <a:fld id="{48A87A34-81AB-432B-8DAE-1953F412C126}" type="datetimeFigureOut">
               <a:rPr lang="en-US" dirty="0"/>
-              <a:t>11/29/2018</a:t>
+              <a:t>11/29/18</a:t>
             </a:fld>
             <a:endParaRPr lang="en-US" dirty="0"/>
           </a:p>
@@ -12280,7 +12280,7 @@
           <a:p>
             <a:fld id="{48A87A34-81AB-432B-8DAE-1953F412C126}" type="datetimeFigureOut">
               <a:rPr lang="en-US" dirty="0"/>
-              <a:t>11/29/2018</a:t>
+              <a:t>11/29/18</a:t>
             </a:fld>
             <a:endParaRPr lang="en-US" dirty="0"/>
           </a:p>
@@ -12370,7 +12370,7 @@
           <a:p>
             <a:fld id="{48A87A34-81AB-432B-8DAE-1953F412C126}" type="datetimeFigureOut">
               <a:rPr lang="en-US" dirty="0"/>
-              <a:t>11/29/2018</a:t>
+              <a:t>11/29/18</a:t>
             </a:fld>
             <a:endParaRPr lang="en-US" dirty="0"/>
           </a:p>
@@ -12614,7 +12614,7 @@
           <a:p>
             <a:fld id="{48A87A34-81AB-432B-8DAE-1953F412C126}" type="datetimeFigureOut">
               <a:rPr lang="en-US" dirty="0"/>
-              <a:t>11/29/2018</a:t>
+              <a:t>11/29/18</a:t>
             </a:fld>
             <a:endParaRPr lang="en-US" dirty="0"/>
           </a:p>
@@ -12889,7 +12889,7 @@
           <a:p>
             <a:fld id="{48A87A34-81AB-432B-8DAE-1953F412C126}" type="datetimeFigureOut">
               <a:rPr lang="en-US" dirty="0"/>
-              <a:t>11/29/2018</a:t>
+              <a:t>11/29/18</a:t>
             </a:fld>
             <a:endParaRPr lang="en-US" dirty="0"/>
           </a:p>
@@ -13000,7 +13000,7 @@
           <a:noFill/>
           <a:extLst>
             <a:ext uri="{909E8E84-426E-40dd-AFC4-6F175D3DCCD1}">
-              <a14:hiddenFill xmlns="" xmlns:a14="http://schemas.microsoft.com/office/drawing/2010/main">
+              <a14:hiddenFill xmlns:a14="http://schemas.microsoft.com/office/drawing/2010/main" xmlns="">
                 <a:solidFill>
                   <a:srgbClr val="FFFFFF"/>
                 </a:solidFill>
@@ -13074,7 +13074,7 @@
               </a:ln>
               <a:extLst>
                 <a:ext uri="{91240B29-F687-4f45-9708-019B960494DF}">
-                  <a14:hiddenLine xmlns="" xmlns:a14="http://schemas.microsoft.com/office/drawing/2010/main" w="9525">
+                  <a14:hiddenLine xmlns:a14="http://schemas.microsoft.com/office/drawing/2010/main" xmlns="" w="9525">
                     <a:solidFill>
                       <a:srgbClr val="000000"/>
                     </a:solidFill>
@@ -13164,7 +13164,7 @@
               </a:ln>
               <a:extLst>
                 <a:ext uri="{91240B29-F687-4f45-9708-019B960494DF}">
-                  <a14:hiddenLine xmlns="" xmlns:a14="http://schemas.microsoft.com/office/drawing/2010/main" w="9525">
+                  <a14:hiddenLine xmlns:a14="http://schemas.microsoft.com/office/drawing/2010/main" xmlns="" w="9525">
                     <a:solidFill>
                       <a:srgbClr val="000000"/>
                     </a:solidFill>
@@ -13254,7 +13254,7 @@
               </a:ln>
               <a:extLst>
                 <a:ext uri="{91240B29-F687-4f45-9708-019B960494DF}">
-                  <a14:hiddenLine xmlns="" xmlns:a14="http://schemas.microsoft.com/office/drawing/2010/main" w="9525">
+                  <a14:hiddenLine xmlns:a14="http://schemas.microsoft.com/office/drawing/2010/main" xmlns="" w="9525">
                     <a:solidFill>
                       <a:srgbClr val="000000"/>
                     </a:solidFill>
@@ -13316,7 +13316,7 @@
               </a:ln>
               <a:extLst>
                 <a:ext uri="{91240B29-F687-4f45-9708-019B960494DF}">
-                  <a14:hiddenLine xmlns="" xmlns:a14="http://schemas.microsoft.com/office/drawing/2010/main" w="9525">
+                  <a14:hiddenLine xmlns:a14="http://schemas.microsoft.com/office/drawing/2010/main" xmlns="" w="9525">
                     <a:solidFill>
                       <a:srgbClr val="000000"/>
                     </a:solidFill>
@@ -13406,7 +13406,7 @@
               </a:ln>
               <a:extLst>
                 <a:ext uri="{91240B29-F687-4f45-9708-019B960494DF}">
-                  <a14:hiddenLine xmlns="" xmlns:a14="http://schemas.microsoft.com/office/drawing/2010/main" w="9525">
+                  <a14:hiddenLine xmlns:a14="http://schemas.microsoft.com/office/drawing/2010/main" xmlns="" w="9525">
                     <a:solidFill>
                       <a:srgbClr val="000000"/>
                     </a:solidFill>
@@ -13468,7 +13468,7 @@
               </a:ln>
               <a:extLst>
                 <a:ext uri="{91240B29-F687-4f45-9708-019B960494DF}">
-                  <a14:hiddenLine xmlns="" xmlns:a14="http://schemas.microsoft.com/office/drawing/2010/main" w="9525">
+                  <a14:hiddenLine xmlns:a14="http://schemas.microsoft.com/office/drawing/2010/main" xmlns="" w="9525">
                     <a:solidFill>
                       <a:srgbClr val="000000"/>
                     </a:solidFill>
@@ -13530,7 +13530,7 @@
               </a:ln>
               <a:extLst>
                 <a:ext uri="{91240B29-F687-4f45-9708-019B960494DF}">
-                  <a14:hiddenLine xmlns="" xmlns:a14="http://schemas.microsoft.com/office/drawing/2010/main" w="9525">
+                  <a14:hiddenLine xmlns:a14="http://schemas.microsoft.com/office/drawing/2010/main" xmlns="" w="9525">
                     <a:solidFill>
                       <a:srgbClr val="000000"/>
                     </a:solidFill>
@@ -13620,7 +13620,7 @@
               </a:ln>
               <a:extLst>
                 <a:ext uri="{91240B29-F687-4f45-9708-019B960494DF}">
-                  <a14:hiddenLine xmlns="" xmlns:a14="http://schemas.microsoft.com/office/drawing/2010/main" w="9525">
+                  <a14:hiddenLine xmlns:a14="http://schemas.microsoft.com/office/drawing/2010/main" xmlns="" w="9525">
                     <a:solidFill>
                       <a:srgbClr val="000000"/>
                     </a:solidFill>
@@ -13710,7 +13710,7 @@
               </a:ln>
               <a:extLst>
                 <a:ext uri="{91240B29-F687-4f45-9708-019B960494DF}">
-                  <a14:hiddenLine xmlns="" xmlns:a14="http://schemas.microsoft.com/office/drawing/2010/main" w="9525">
+                  <a14:hiddenLine xmlns:a14="http://schemas.microsoft.com/office/drawing/2010/main" xmlns="" w="9525">
                     <a:solidFill>
                       <a:srgbClr val="000000"/>
                     </a:solidFill>
@@ -13772,7 +13772,7 @@
               </a:ln>
               <a:extLst>
                 <a:ext uri="{91240B29-F687-4f45-9708-019B960494DF}">
-                  <a14:hiddenLine xmlns="" xmlns:a14="http://schemas.microsoft.com/office/drawing/2010/main" w="9525">
+                  <a14:hiddenLine xmlns:a14="http://schemas.microsoft.com/office/drawing/2010/main" xmlns="" w="9525">
                     <a:solidFill>
                       <a:srgbClr val="000000"/>
                     </a:solidFill>
@@ -13882,7 +13882,7 @@
               </a:ln>
               <a:extLst>
                 <a:ext uri="{91240B29-F687-4f45-9708-019B960494DF}">
-                  <a14:hiddenLine xmlns="" xmlns:a14="http://schemas.microsoft.com/office/drawing/2010/main" w="9525">
+                  <a14:hiddenLine xmlns:a14="http://schemas.microsoft.com/office/drawing/2010/main" xmlns="" w="9525">
                     <a:solidFill>
                       <a:srgbClr val="000000"/>
                     </a:solidFill>
@@ -13966,7 +13966,7 @@
               </a:ln>
               <a:extLst>
                 <a:ext uri="{91240B29-F687-4f45-9708-019B960494DF}">
-                  <a14:hiddenLine xmlns="" xmlns:a14="http://schemas.microsoft.com/office/drawing/2010/main" w="9525">
+                  <a14:hiddenLine xmlns:a14="http://schemas.microsoft.com/office/drawing/2010/main" xmlns="" w="9525">
                     <a:solidFill>
                       <a:srgbClr val="000000"/>
                     </a:solidFill>
@@ -14028,7 +14028,7 @@
               </a:ln>
               <a:extLst>
                 <a:ext uri="{91240B29-F687-4f45-9708-019B960494DF}">
-                  <a14:hiddenLine xmlns="" xmlns:a14="http://schemas.microsoft.com/office/drawing/2010/main" w="9525">
+                  <a14:hiddenLine xmlns:a14="http://schemas.microsoft.com/office/drawing/2010/main" xmlns="" w="9525">
                     <a:solidFill>
                       <a:srgbClr val="000000"/>
                     </a:solidFill>
@@ -14090,7 +14090,7 @@
               </a:ln>
               <a:extLst>
                 <a:ext uri="{91240B29-F687-4f45-9708-019B960494DF}">
-                  <a14:hiddenLine xmlns="" xmlns:a14="http://schemas.microsoft.com/office/drawing/2010/main" w="9525">
+                  <a14:hiddenLine xmlns:a14="http://schemas.microsoft.com/office/drawing/2010/main" xmlns="" w="9525">
                     <a:solidFill>
                       <a:srgbClr val="000000"/>
                     </a:solidFill>
@@ -14180,7 +14180,7 @@
               </a:ln>
               <a:extLst>
                 <a:ext uri="{91240B29-F687-4f45-9708-019B960494DF}">
-                  <a14:hiddenLine xmlns="" xmlns:a14="http://schemas.microsoft.com/office/drawing/2010/main" w="9525">
+                  <a14:hiddenLine xmlns:a14="http://schemas.microsoft.com/office/drawing/2010/main" xmlns="" w="9525">
                     <a:solidFill>
                       <a:srgbClr val="000000"/>
                     </a:solidFill>
@@ -14214,7 +14214,7 @@
               </a:ln>
               <a:extLst>
                 <a:ext uri="{91240B29-F687-4f45-9708-019B960494DF}">
-                  <a14:hiddenLine xmlns="" xmlns:a14="http://schemas.microsoft.com/office/drawing/2010/main" w="9525">
+                  <a14:hiddenLine xmlns:a14="http://schemas.microsoft.com/office/drawing/2010/main" xmlns="" w="9525">
                     <a:solidFill>
                       <a:srgbClr val="000000"/>
                     </a:solidFill>
@@ -14279,7 +14279,7 @@
               </a:ln>
               <a:extLst>
                 <a:ext uri="{91240B29-F687-4f45-9708-019B960494DF}">
-                  <a14:hiddenLine xmlns="" xmlns:a14="http://schemas.microsoft.com/office/drawing/2010/main" w="9525">
+                  <a14:hiddenLine xmlns:a14="http://schemas.microsoft.com/office/drawing/2010/main" xmlns="" w="9525">
                     <a:solidFill>
                       <a:srgbClr val="000000"/>
                     </a:solidFill>
@@ -14369,7 +14369,7 @@
               </a:ln>
               <a:extLst>
                 <a:ext uri="{91240B29-F687-4f45-9708-019B960494DF}">
-                  <a14:hiddenLine xmlns="" xmlns:a14="http://schemas.microsoft.com/office/drawing/2010/main" w="9525">
+                  <a14:hiddenLine xmlns:a14="http://schemas.microsoft.com/office/drawing/2010/main" xmlns="" w="9525">
                     <a:solidFill>
                       <a:srgbClr val="000000"/>
                     </a:solidFill>
@@ -14431,7 +14431,7 @@
               </a:ln>
               <a:extLst>
                 <a:ext uri="{91240B29-F687-4f45-9708-019B960494DF}">
-                  <a14:hiddenLine xmlns="" xmlns:a14="http://schemas.microsoft.com/office/drawing/2010/main" w="9525">
+                  <a14:hiddenLine xmlns:a14="http://schemas.microsoft.com/office/drawing/2010/main" xmlns="" w="9525">
                     <a:solidFill>
                       <a:srgbClr val="000000"/>
                     </a:solidFill>
@@ -14521,7 +14521,7 @@
               </a:ln>
               <a:extLst>
                 <a:ext uri="{91240B29-F687-4f45-9708-019B960494DF}">
-                  <a14:hiddenLine xmlns="" xmlns:a14="http://schemas.microsoft.com/office/drawing/2010/main" w="9525">
+                  <a14:hiddenLine xmlns:a14="http://schemas.microsoft.com/office/drawing/2010/main" xmlns="" w="9525">
                     <a:solidFill>
                       <a:srgbClr val="000000"/>
                     </a:solidFill>
@@ -14586,7 +14586,7 @@
               </a:ln>
               <a:extLst>
                 <a:ext uri="{91240B29-F687-4f45-9708-019B960494DF}">
-                  <a14:hiddenLine xmlns="" xmlns:a14="http://schemas.microsoft.com/office/drawing/2010/main" w="9525">
+                  <a14:hiddenLine xmlns:a14="http://schemas.microsoft.com/office/drawing/2010/main" xmlns="" w="9525">
                     <a:solidFill>
                       <a:srgbClr val="000000"/>
                     </a:solidFill>
@@ -14648,7 +14648,7 @@
               </a:ln>
               <a:extLst>
                 <a:ext uri="{91240B29-F687-4f45-9708-019B960494DF}">
-                  <a14:hiddenLine xmlns="" xmlns:a14="http://schemas.microsoft.com/office/drawing/2010/main" w="9525">
+                  <a14:hiddenLine xmlns:a14="http://schemas.microsoft.com/office/drawing/2010/main" xmlns="" w="9525">
                     <a:solidFill>
                       <a:srgbClr val="000000"/>
                     </a:solidFill>
@@ -14738,7 +14738,7 @@
               </a:ln>
               <a:extLst>
                 <a:ext uri="{91240B29-F687-4f45-9708-019B960494DF}">
-                  <a14:hiddenLine xmlns="" xmlns:a14="http://schemas.microsoft.com/office/drawing/2010/main" w="9525">
+                  <a14:hiddenLine xmlns:a14="http://schemas.microsoft.com/office/drawing/2010/main" xmlns="" w="9525">
                     <a:solidFill>
                       <a:srgbClr val="000000"/>
                     </a:solidFill>
@@ -14828,7 +14828,7 @@
               </a:ln>
               <a:extLst>
                 <a:ext uri="{91240B29-F687-4f45-9708-019B960494DF}">
-                  <a14:hiddenLine xmlns="" xmlns:a14="http://schemas.microsoft.com/office/drawing/2010/main" w="9525">
+                  <a14:hiddenLine xmlns:a14="http://schemas.microsoft.com/office/drawing/2010/main" xmlns="" w="9525">
                     <a:solidFill>
                       <a:srgbClr val="000000"/>
                     </a:solidFill>
@@ -14893,7 +14893,7 @@
               </a:ln>
               <a:extLst>
                 <a:ext uri="{91240B29-F687-4f45-9708-019B960494DF}">
-                  <a14:hiddenLine xmlns="" xmlns:a14="http://schemas.microsoft.com/office/drawing/2010/main" w="9525">
+                  <a14:hiddenLine xmlns:a14="http://schemas.microsoft.com/office/drawing/2010/main" xmlns="" w="9525">
                     <a:solidFill>
                       <a:srgbClr val="000000"/>
                     </a:solidFill>
@@ -15013,7 +15013,7 @@
               </a:ln>
               <a:extLst>
                 <a:ext uri="{91240B29-F687-4f45-9708-019B960494DF}">
-                  <a14:hiddenLine xmlns="" xmlns:a14="http://schemas.microsoft.com/office/drawing/2010/main" w="9525">
+                  <a14:hiddenLine xmlns:a14="http://schemas.microsoft.com/office/drawing/2010/main" xmlns="" w="9525">
                     <a:solidFill>
                       <a:srgbClr val="000000"/>
                     </a:solidFill>
@@ -15111,7 +15111,7 @@
               </a:ln>
               <a:extLst>
                 <a:ext uri="{91240B29-F687-4f45-9708-019B960494DF}">
-                  <a14:hiddenLine xmlns="" xmlns:a14="http://schemas.microsoft.com/office/drawing/2010/main" w="9525">
+                  <a14:hiddenLine xmlns:a14="http://schemas.microsoft.com/office/drawing/2010/main" xmlns="" w="9525">
                     <a:solidFill>
                       <a:srgbClr val="000000"/>
                     </a:solidFill>
@@ -15226,7 +15226,7 @@
               </a:ln>
               <a:extLst>
                 <a:ext uri="{91240B29-F687-4f45-9708-019B960494DF}">
-                  <a14:hiddenLine xmlns="" xmlns:a14="http://schemas.microsoft.com/office/drawing/2010/main" w="9525">
+                  <a14:hiddenLine xmlns:a14="http://schemas.microsoft.com/office/drawing/2010/main" xmlns="" w="9525">
                     <a:solidFill>
                       <a:srgbClr val="000000"/>
                     </a:solidFill>
@@ -15316,7 +15316,7 @@
               </a:ln>
               <a:extLst>
                 <a:ext uri="{91240B29-F687-4f45-9708-019B960494DF}">
-                  <a14:hiddenLine xmlns="" xmlns:a14="http://schemas.microsoft.com/office/drawing/2010/main" w="9525">
+                  <a14:hiddenLine xmlns:a14="http://schemas.microsoft.com/office/drawing/2010/main" xmlns="" w="9525">
                     <a:solidFill>
                       <a:srgbClr val="000000"/>
                     </a:solidFill>
@@ -15381,7 +15381,7 @@
               </a:ln>
               <a:extLst>
                 <a:ext uri="{91240B29-F687-4f45-9708-019B960494DF}">
-                  <a14:hiddenLine xmlns="" xmlns:a14="http://schemas.microsoft.com/office/drawing/2010/main" w="9525">
+                  <a14:hiddenLine xmlns:a14="http://schemas.microsoft.com/office/drawing/2010/main" xmlns="" w="9525">
                     <a:solidFill>
                       <a:srgbClr val="000000"/>
                     </a:solidFill>
@@ -15471,7 +15471,7 @@
               </a:ln>
               <a:extLst>
                 <a:ext uri="{91240B29-F687-4f45-9708-019B960494DF}">
-                  <a14:hiddenLine xmlns="" xmlns:a14="http://schemas.microsoft.com/office/drawing/2010/main" w="9525">
+                  <a14:hiddenLine xmlns:a14="http://schemas.microsoft.com/office/drawing/2010/main" xmlns="" w="9525">
                     <a:solidFill>
                       <a:srgbClr val="000000"/>
                     </a:solidFill>
@@ -15539,7 +15539,7 @@
               </a:ln>
               <a:extLst>
                 <a:ext uri="{91240B29-F687-4f45-9708-019B960494DF}">
-                  <a14:hiddenLine xmlns="" xmlns:a14="http://schemas.microsoft.com/office/drawing/2010/main" w="9525">
+                  <a14:hiddenLine xmlns:a14="http://schemas.microsoft.com/office/drawing/2010/main" xmlns="" w="9525">
                     <a:solidFill>
                       <a:srgbClr val="000000"/>
                     </a:solidFill>
@@ -15629,7 +15629,7 @@
               </a:ln>
               <a:extLst>
                 <a:ext uri="{91240B29-F687-4f45-9708-019B960494DF}">
-                  <a14:hiddenLine xmlns="" xmlns:a14="http://schemas.microsoft.com/office/drawing/2010/main" w="9525">
+                  <a14:hiddenLine xmlns:a14="http://schemas.microsoft.com/office/drawing/2010/main" xmlns="" w="9525">
                     <a:solidFill>
                       <a:srgbClr val="000000"/>
                     </a:solidFill>
@@ -15697,7 +15697,7 @@
               </a:ln>
               <a:extLst>
                 <a:ext uri="{91240B29-F687-4f45-9708-019B960494DF}">
-                  <a14:hiddenLine xmlns="" xmlns:a14="http://schemas.microsoft.com/office/drawing/2010/main" w="9525">
+                  <a14:hiddenLine xmlns:a14="http://schemas.microsoft.com/office/drawing/2010/main" xmlns="" w="9525">
                     <a:solidFill>
                       <a:srgbClr val="000000"/>
                     </a:solidFill>
@@ -15787,7 +15787,7 @@
               </a:ln>
               <a:extLst>
                 <a:ext uri="{91240B29-F687-4f45-9708-019B960494DF}">
-                  <a14:hiddenLine xmlns="" xmlns:a14="http://schemas.microsoft.com/office/drawing/2010/main" w="9525">
+                  <a14:hiddenLine xmlns:a14="http://schemas.microsoft.com/office/drawing/2010/main" xmlns="" w="9525">
                     <a:solidFill>
                       <a:srgbClr val="000000"/>
                     </a:solidFill>
@@ -15821,7 +15821,7 @@
               </a:ln>
               <a:extLst>
                 <a:ext uri="{91240B29-F687-4f45-9708-019B960494DF}">
-                  <a14:hiddenLine xmlns="" xmlns:a14="http://schemas.microsoft.com/office/drawing/2010/main" w="9525">
+                  <a14:hiddenLine xmlns:a14="http://schemas.microsoft.com/office/drawing/2010/main" xmlns="" w="9525">
                     <a:solidFill>
                       <a:srgbClr val="000000"/>
                     </a:solidFill>
@@ -15962,7 +15962,7 @@
             <a:fld id="{48A87A34-81AB-432B-8DAE-1953F412C126}" type="datetimeFigureOut">
               <a:rPr lang="en-US" dirty="0"/>
               <a:pPr/>
-              <a:t>11/29/2018</a:t>
+              <a:t>11/29/18</a:t>
             </a:fld>
             <a:endParaRPr lang="en-US" dirty="0"/>
           </a:p>
@@ -20313,7 +20313,7 @@
         <p:spPr/>
         <p:txBody>
           <a:bodyPr>
-            <a:normAutofit fontScale="92500" lnSpcReduction="10000"/>
+            <a:normAutofit fontScale="85000" lnSpcReduction="10000"/>
           </a:bodyPr>
           <a:lstStyle/>
           <a:p>
@@ -20391,22 +20391,54 @@
             <a:endParaRPr lang="en-GB" dirty="0" smtClean="0"/>
           </a:p>
           <a:p>
-            <a:r>
-              <a:rPr lang="en-GB" dirty="0" smtClean="0"/>
-              <a:t>https</a:t>
-            </a:r>
-            <a:r>
-              <a:rPr lang="en-GB" dirty="0"/>
-              <a:t>://</a:t>
-            </a:r>
-            <a:r>
-              <a:rPr lang="en-GB" dirty="0" err="1"/>
-              <a:t>towardsdatascience.com</a:t>
-            </a:r>
-            <a:r>
-              <a:rPr lang="en-GB" dirty="0"/>
+            <a:pPr lvl="0"/>
+            <a:r>
+              <a:rPr lang="en-US" altLang="en-US" dirty="0" err="1">
+                <a:latin typeface="Arial" charset="0"/>
+              </a:rPr>
+              <a:t>Mallawaarachchi</a:t>
+            </a:r>
+            <a:r>
+              <a:rPr lang="en-US" altLang="en-US" dirty="0">
+                <a:latin typeface="Arial" charset="0"/>
+              </a:rPr>
+              <a:t>, V. (2017) </a:t>
+            </a:r>
+            <a:r>
+              <a:rPr lang="en-US" altLang="en-US" i="1" dirty="0">
+                <a:latin typeface="Arial" charset="0"/>
+              </a:rPr>
+              <a:t>Introduction to Genetic Algorithms — Including Example Code</a:t>
+            </a:r>
+            <a:r>
+              <a:rPr lang="en-US" altLang="en-US" dirty="0">
+                <a:latin typeface="Arial" charset="0"/>
+              </a:rPr>
+              <a:t> [Online]. Available from: </a:t>
+            </a:r>
+            <a:r>
+              <a:rPr lang="en-US" altLang="en-US" u="sng" dirty="0">
+                <a:latin typeface="Arial" charset="0"/>
+                <a:hlinkClick r:id="rId2"/>
+              </a:rPr>
+              <a:t>https://towardsdatascience.com</a:t>
+            </a:r>
+            <a:r>
+              <a:rPr lang="en-US" altLang="en-US" u="sng">
+                <a:latin typeface="Arial" charset="0"/>
+                <a:hlinkClick r:id="rId2"/>
+              </a:rPr>
               <a:t>/introduction-to-genetic-algorithms-including-example-code-e396e98d8bf3</a:t>
             </a:r>
+            <a:r>
+              <a:rPr lang="en-US" altLang="en-US" u="sng">
+                <a:latin typeface="Arial" charset="0"/>
+              </a:rPr>
+              <a:t> [Accessed 15 November 2018].</a:t>
+            </a:r>
+            <a:endParaRPr lang="en-US" altLang="en-US">
+              <a:latin typeface="Arial" charset="0"/>
+            </a:endParaRPr>
           </a:p>
           <a:p>
             <a:endParaRPr lang="en-GB" dirty="0"/>
